--- a/slide.pptx
+++ b/slide.pptx
@@ -730,7 +730,7 @@
           <a:bodyPr/>
           <a:lstStyle/>
           <a:p>
-            <a:fld id="{B0E8608D-3736-4636-AB6B-79F347890E19}" type="datetimeFigureOut">
+            <a:fld id="{D1BF5DF2-1316-4EFE-B506-44D0E7826730}" type="datetime1">
               <a:rPr lang="vi-VN" smtClean="0"/>
               <a:t>30/11/2025</a:t>
             </a:fld>
@@ -934,7 +934,7 @@
           <a:bodyPr/>
           <a:lstStyle/>
           <a:p>
-            <a:fld id="{B0E8608D-3736-4636-AB6B-79F347890E19}" type="datetimeFigureOut">
+            <a:fld id="{92F96A3F-CAA8-44F9-930A-A5C3BB12A00B}" type="datetime1">
               <a:rPr lang="vi-VN" smtClean="0"/>
               <a:t>30/11/2025</a:t>
             </a:fld>
@@ -1210,7 +1210,7 @@
           <a:bodyPr/>
           <a:lstStyle/>
           <a:p>
-            <a:fld id="{B0E8608D-3736-4636-AB6B-79F347890E19}" type="datetimeFigureOut">
+            <a:fld id="{C00CA32E-BDE3-42B6-9E80-60BBD6582E19}" type="datetime1">
               <a:rPr lang="vi-VN" smtClean="0"/>
               <a:t>30/11/2025</a:t>
             </a:fld>
@@ -1478,7 +1478,7 @@
           <a:bodyPr/>
           <a:lstStyle/>
           <a:p>
-            <a:fld id="{B0E8608D-3736-4636-AB6B-79F347890E19}" type="datetimeFigureOut">
+            <a:fld id="{0259A9EF-F408-4EF9-9765-2A696B4DB90F}" type="datetime1">
               <a:rPr lang="vi-VN" smtClean="0"/>
               <a:t>30/11/2025</a:t>
             </a:fld>
@@ -1721,7 +1721,7 @@
             </a:lvl1pPr>
           </a:lstStyle>
           <a:p>
-            <a:fld id="{B0E8608D-3736-4636-AB6B-79F347890E19}" type="datetimeFigureOut">
+            <a:fld id="{0E8E9F20-23F7-44A2-8900-FFBAC831C044}" type="datetime1">
               <a:rPr lang="vi-VN" smtClean="0"/>
               <a:t>30/11/2025</a:t>
             </a:fld>
@@ -1890,6 +1890,7 @@
     <p:sldLayoutId id="2147483651" r:id="rId3"/>
     <p:sldLayoutId id="2147483652" r:id="rId4"/>
   </p:sldLayoutIdLst>
+  <p:hf hdr="0" ftr="0" dt="0"/>
   <p:txStyles>
     <p:titleStyle>
       <a:lvl1pPr algn="l" defTabSz="914400" rtl="0" eaLnBrk="1" latinLnBrk="0" hangingPunct="1">
@@ -2243,6 +2244,35 @@
           </a:p>
         </p:txBody>
       </p:sp>
+      <p:sp>
+        <p:nvSpPr>
+          <p:cNvPr id="4" name="Slide Number Placeholder 3">
+            <a:extLst>
+              <a:ext uri="{FF2B5EF4-FFF2-40B4-BE49-F238E27FC236}">
+                <a16:creationId xmlns:a16="http://schemas.microsoft.com/office/drawing/2014/main" id="{80B07CCA-539D-E6E8-9B2D-8FCC4F4DF534}"/>
+              </a:ext>
+            </a:extLst>
+          </p:cNvPr>
+          <p:cNvSpPr>
+            <a:spLocks noGrp="1"/>
+          </p:cNvSpPr>
+          <p:nvPr>
+            <p:ph type="sldNum" sz="quarter" idx="12"/>
+          </p:nvPr>
+        </p:nvSpPr>
+        <p:spPr/>
+        <p:txBody>
+          <a:bodyPr/>
+          <a:lstStyle/>
+          <a:p>
+            <a:fld id="{4ED22EA6-6E07-498D-89D0-2FA887FD1E5C}" type="slidenum">
+              <a:rPr lang="vi-VN" smtClean="0"/>
+              <a:t>1</a:t>
+            </a:fld>
+            <a:endParaRPr lang="vi-VN"/>
+          </a:p>
+        </p:txBody>
+      </p:sp>
     </p:spTree>
     <p:extLst>
       <p:ext uri="{BB962C8B-B14F-4D97-AF65-F5344CB8AC3E}">
@@ -2253,13 +2283,13 @@
   <p:clrMapOvr>
     <a:masterClrMapping/>
   </p:clrMapOvr>
-  <mc:AlternateContent xmlns:mc="http://schemas.openxmlformats.org/markup-compatibility/2006">
-    <mc:Choice xmlns:p159="http://schemas.microsoft.com/office/powerpoint/2015/09/main" Requires="p159">
+  <mc:AlternateContent xmlns:mc="http://schemas.openxmlformats.org/markup-compatibility/2006" xmlns:p159="http://schemas.microsoft.com/office/powerpoint/2015/09/main">
+    <mc:Choice Requires="p159">
       <p:transition spd="med">
         <p159:morph option="byObject"/>
       </p:transition>
     </mc:Choice>
-    <mc:Fallback>
+    <mc:Fallback xmlns="">
       <p:transition spd="med">
         <p:fade/>
       </p:transition>
@@ -2460,6 +2490,35 @@
           </a:p>
         </p:txBody>
       </p:sp>
+      <p:sp>
+        <p:nvSpPr>
+          <p:cNvPr id="4" name="Slide Number Placeholder 3">
+            <a:extLst>
+              <a:ext uri="{FF2B5EF4-FFF2-40B4-BE49-F238E27FC236}">
+                <a16:creationId xmlns:a16="http://schemas.microsoft.com/office/drawing/2014/main" id="{82C40393-380B-6ECE-B7F5-B8BA121C706E}"/>
+              </a:ext>
+            </a:extLst>
+          </p:cNvPr>
+          <p:cNvSpPr>
+            <a:spLocks noGrp="1"/>
+          </p:cNvSpPr>
+          <p:nvPr>
+            <p:ph type="sldNum" sz="quarter" idx="12"/>
+          </p:nvPr>
+        </p:nvSpPr>
+        <p:spPr/>
+        <p:txBody>
+          <a:bodyPr/>
+          <a:lstStyle/>
+          <a:p>
+            <a:fld id="{4ED22EA6-6E07-498D-89D0-2FA887FD1E5C}" type="slidenum">
+              <a:rPr lang="vi-VN" smtClean="0"/>
+              <a:t>10</a:t>
+            </a:fld>
+            <a:endParaRPr lang="vi-VN"/>
+          </a:p>
+        </p:txBody>
+      </p:sp>
     </p:spTree>
     <p:extLst>
       <p:ext uri="{BB962C8B-B14F-4D97-AF65-F5344CB8AC3E}">
@@ -2470,13 +2529,13 @@
   <p:clrMapOvr>
     <a:masterClrMapping/>
   </p:clrMapOvr>
-  <mc:AlternateContent xmlns:mc="http://schemas.openxmlformats.org/markup-compatibility/2006">
-    <mc:Choice xmlns:p159="http://schemas.microsoft.com/office/powerpoint/2015/09/main" Requires="p159">
+  <mc:AlternateContent xmlns:mc="http://schemas.openxmlformats.org/markup-compatibility/2006" xmlns:p159="http://schemas.microsoft.com/office/powerpoint/2015/09/main">
+    <mc:Choice Requires="p159">
       <p:transition spd="med">
         <p159:morph option="byObject"/>
       </p:transition>
     </mc:Choice>
-    <mc:Fallback>
+    <mc:Fallback xmlns="">
       <p:transition spd="med">
         <p:fade/>
       </p:transition>
@@ -3002,6 +3061,35 @@
           </a:p>
         </p:txBody>
       </p:sp>
+      <p:sp>
+        <p:nvSpPr>
+          <p:cNvPr id="2" name="Slide Number Placeholder 1">
+            <a:extLst>
+              <a:ext uri="{FF2B5EF4-FFF2-40B4-BE49-F238E27FC236}">
+                <a16:creationId xmlns:a16="http://schemas.microsoft.com/office/drawing/2014/main" id="{E5070595-E991-D61F-965B-38FB855A2B05}"/>
+              </a:ext>
+            </a:extLst>
+          </p:cNvPr>
+          <p:cNvSpPr>
+            <a:spLocks noGrp="1"/>
+          </p:cNvSpPr>
+          <p:nvPr>
+            <p:ph type="sldNum" sz="quarter" idx="12"/>
+          </p:nvPr>
+        </p:nvSpPr>
+        <p:spPr/>
+        <p:txBody>
+          <a:bodyPr/>
+          <a:lstStyle/>
+          <a:p>
+            <a:fld id="{4ED22EA6-6E07-498D-89D0-2FA887FD1E5C}" type="slidenum">
+              <a:rPr lang="vi-VN" smtClean="0"/>
+              <a:t>11</a:t>
+            </a:fld>
+            <a:endParaRPr lang="vi-VN"/>
+          </a:p>
+        </p:txBody>
+      </p:sp>
     </p:spTree>
     <p:extLst>
       <p:ext uri="{BB962C8B-B14F-4D97-AF65-F5344CB8AC3E}">
@@ -3012,13 +3100,13 @@
   <p:clrMapOvr>
     <a:masterClrMapping/>
   </p:clrMapOvr>
-  <mc:AlternateContent xmlns:mc="http://schemas.openxmlformats.org/markup-compatibility/2006">
-    <mc:Choice xmlns:p159="http://schemas.microsoft.com/office/powerpoint/2015/09/main" Requires="p159">
+  <mc:AlternateContent xmlns:mc="http://schemas.openxmlformats.org/markup-compatibility/2006" xmlns:p159="http://schemas.microsoft.com/office/powerpoint/2015/09/main">
+    <mc:Choice Requires="p159">
       <p:transition spd="med">
         <p159:morph option="byObject"/>
       </p:transition>
     </mc:Choice>
-    <mc:Fallback>
+    <mc:Fallback xmlns="">
       <p:transition spd="med">
         <p:fade/>
       </p:transition>
@@ -3142,6 +3230,35 @@
           </a:p>
         </p:txBody>
       </p:sp>
+      <p:sp>
+        <p:nvSpPr>
+          <p:cNvPr id="4" name="Slide Number Placeholder 3">
+            <a:extLst>
+              <a:ext uri="{FF2B5EF4-FFF2-40B4-BE49-F238E27FC236}">
+                <a16:creationId xmlns:a16="http://schemas.microsoft.com/office/drawing/2014/main" id="{7C300204-26FE-C3CA-05D8-2EFE7E47D4F1}"/>
+              </a:ext>
+            </a:extLst>
+          </p:cNvPr>
+          <p:cNvSpPr>
+            <a:spLocks noGrp="1"/>
+          </p:cNvSpPr>
+          <p:nvPr>
+            <p:ph type="sldNum" sz="quarter" idx="12"/>
+          </p:nvPr>
+        </p:nvSpPr>
+        <p:spPr/>
+        <p:txBody>
+          <a:bodyPr/>
+          <a:lstStyle/>
+          <a:p>
+            <a:fld id="{4ED22EA6-6E07-498D-89D0-2FA887FD1E5C}" type="slidenum">
+              <a:rPr lang="vi-VN" smtClean="0"/>
+              <a:t>12</a:t>
+            </a:fld>
+            <a:endParaRPr lang="vi-VN"/>
+          </a:p>
+        </p:txBody>
+      </p:sp>
     </p:spTree>
     <p:extLst>
       <p:ext uri="{BB962C8B-B14F-4D97-AF65-F5344CB8AC3E}">
@@ -3152,13 +3269,13 @@
   <p:clrMapOvr>
     <a:masterClrMapping/>
   </p:clrMapOvr>
-  <mc:AlternateContent xmlns:mc="http://schemas.openxmlformats.org/markup-compatibility/2006">
-    <mc:Choice xmlns:p159="http://schemas.microsoft.com/office/powerpoint/2015/09/main" Requires="p159">
+  <mc:AlternateContent xmlns:mc="http://schemas.openxmlformats.org/markup-compatibility/2006" xmlns:p159="http://schemas.microsoft.com/office/powerpoint/2015/09/main">
+    <mc:Choice Requires="p159">
       <p:transition spd="med">
         <p159:morph option="byObject"/>
       </p:transition>
     </mc:Choice>
-    <mc:Fallback>
+    <mc:Fallback xmlns="">
       <p:transition spd="med">
         <p:fade/>
       </p:transition>
@@ -3527,6 +3644,35 @@
           </a:p>
         </p:txBody>
       </p:sp>
+      <p:sp>
+        <p:nvSpPr>
+          <p:cNvPr id="4" name="Slide Number Placeholder 3">
+            <a:extLst>
+              <a:ext uri="{FF2B5EF4-FFF2-40B4-BE49-F238E27FC236}">
+                <a16:creationId xmlns:a16="http://schemas.microsoft.com/office/drawing/2014/main" id="{5A30FD96-D318-2AE7-8AB5-CC374C2B4828}"/>
+              </a:ext>
+            </a:extLst>
+          </p:cNvPr>
+          <p:cNvSpPr>
+            <a:spLocks noGrp="1"/>
+          </p:cNvSpPr>
+          <p:nvPr>
+            <p:ph type="sldNum" sz="quarter" idx="12"/>
+          </p:nvPr>
+        </p:nvSpPr>
+        <p:spPr/>
+        <p:txBody>
+          <a:bodyPr/>
+          <a:lstStyle/>
+          <a:p>
+            <a:fld id="{4ED22EA6-6E07-498D-89D0-2FA887FD1E5C}" type="slidenum">
+              <a:rPr lang="vi-VN" smtClean="0"/>
+              <a:t>13</a:t>
+            </a:fld>
+            <a:endParaRPr lang="vi-VN"/>
+          </a:p>
+        </p:txBody>
+      </p:sp>
     </p:spTree>
     <p:extLst>
       <p:ext uri="{BB962C8B-B14F-4D97-AF65-F5344CB8AC3E}">
@@ -3537,13 +3683,13 @@
   <p:clrMapOvr>
     <a:masterClrMapping/>
   </p:clrMapOvr>
-  <mc:AlternateContent xmlns:mc="http://schemas.openxmlformats.org/markup-compatibility/2006">
-    <mc:Choice xmlns:p159="http://schemas.microsoft.com/office/powerpoint/2015/09/main" Requires="p159">
+  <mc:AlternateContent xmlns:mc="http://schemas.openxmlformats.org/markup-compatibility/2006" xmlns:p159="http://schemas.microsoft.com/office/powerpoint/2015/09/main">
+    <mc:Choice Requires="p159">
       <p:transition spd="med">
         <p159:morph option="byObject"/>
       </p:transition>
     </mc:Choice>
-    <mc:Fallback>
+    <mc:Fallback xmlns="">
       <p:transition spd="med">
         <p:fade/>
       </p:transition>
@@ -4033,6 +4179,35 @@
           </a:p>
         </p:txBody>
       </p:sp>
+      <p:sp>
+        <p:nvSpPr>
+          <p:cNvPr id="4" name="Slide Number Placeholder 3">
+            <a:extLst>
+              <a:ext uri="{FF2B5EF4-FFF2-40B4-BE49-F238E27FC236}">
+                <a16:creationId xmlns:a16="http://schemas.microsoft.com/office/drawing/2014/main" id="{F4C7FA8A-7198-4DF5-8874-9EDC35A16D3B}"/>
+              </a:ext>
+            </a:extLst>
+          </p:cNvPr>
+          <p:cNvSpPr>
+            <a:spLocks noGrp="1"/>
+          </p:cNvSpPr>
+          <p:nvPr>
+            <p:ph type="sldNum" sz="quarter" idx="12"/>
+          </p:nvPr>
+        </p:nvSpPr>
+        <p:spPr/>
+        <p:txBody>
+          <a:bodyPr/>
+          <a:lstStyle/>
+          <a:p>
+            <a:fld id="{4ED22EA6-6E07-498D-89D0-2FA887FD1E5C}" type="slidenum">
+              <a:rPr lang="vi-VN" smtClean="0"/>
+              <a:t>14</a:t>
+            </a:fld>
+            <a:endParaRPr lang="vi-VN"/>
+          </a:p>
+        </p:txBody>
+      </p:sp>
     </p:spTree>
     <p:extLst>
       <p:ext uri="{BB962C8B-B14F-4D97-AF65-F5344CB8AC3E}">
@@ -4043,13 +4218,13 @@
   <p:clrMapOvr>
     <a:masterClrMapping/>
   </p:clrMapOvr>
-  <mc:AlternateContent xmlns:mc="http://schemas.openxmlformats.org/markup-compatibility/2006">
-    <mc:Choice xmlns:p159="http://schemas.microsoft.com/office/powerpoint/2015/09/main" Requires="p159">
+  <mc:AlternateContent xmlns:mc="http://schemas.openxmlformats.org/markup-compatibility/2006" xmlns:p159="http://schemas.microsoft.com/office/powerpoint/2015/09/main">
+    <mc:Choice Requires="p159">
       <p:transition spd="med">
         <p159:morph option="byObject"/>
       </p:transition>
     </mc:Choice>
-    <mc:Fallback>
+    <mc:Fallback xmlns="">
       <p:transition spd="med">
         <p:fade/>
       </p:transition>
@@ -4537,6 +4712,35 @@
           </a:p>
         </p:txBody>
       </p:sp>
+      <p:sp>
+        <p:nvSpPr>
+          <p:cNvPr id="4" name="Slide Number Placeholder 3">
+            <a:extLst>
+              <a:ext uri="{FF2B5EF4-FFF2-40B4-BE49-F238E27FC236}">
+                <a16:creationId xmlns:a16="http://schemas.microsoft.com/office/drawing/2014/main" id="{57AA58B8-D99B-0157-8164-3BB9B3CDBCC5}"/>
+              </a:ext>
+            </a:extLst>
+          </p:cNvPr>
+          <p:cNvSpPr>
+            <a:spLocks noGrp="1"/>
+          </p:cNvSpPr>
+          <p:nvPr>
+            <p:ph type="sldNum" sz="quarter" idx="12"/>
+          </p:nvPr>
+        </p:nvSpPr>
+        <p:spPr/>
+        <p:txBody>
+          <a:bodyPr/>
+          <a:lstStyle/>
+          <a:p>
+            <a:fld id="{4ED22EA6-6E07-498D-89D0-2FA887FD1E5C}" type="slidenum">
+              <a:rPr lang="vi-VN" smtClean="0"/>
+              <a:t>15</a:t>
+            </a:fld>
+            <a:endParaRPr lang="vi-VN"/>
+          </a:p>
+        </p:txBody>
+      </p:sp>
     </p:spTree>
     <p:extLst>
       <p:ext uri="{BB962C8B-B14F-4D97-AF65-F5344CB8AC3E}">
@@ -4547,13 +4751,13 @@
   <p:clrMapOvr>
     <a:masterClrMapping/>
   </p:clrMapOvr>
-  <mc:AlternateContent xmlns:mc="http://schemas.openxmlformats.org/markup-compatibility/2006">
-    <mc:Choice xmlns:p159="http://schemas.microsoft.com/office/powerpoint/2015/09/main" Requires="p159">
+  <mc:AlternateContent xmlns:mc="http://schemas.openxmlformats.org/markup-compatibility/2006" xmlns:p159="http://schemas.microsoft.com/office/powerpoint/2015/09/main">
+    <mc:Choice Requires="p159">
       <p:transition spd="med">
         <p159:morph option="byObject"/>
       </p:transition>
     </mc:Choice>
-    <mc:Fallback>
+    <mc:Fallback xmlns="">
       <p:transition spd="med">
         <p:fade/>
       </p:transition>
@@ -4839,6 +5043,35 @@
           </a:prstGeom>
         </p:spPr>
       </p:pic>
+      <p:sp>
+        <p:nvSpPr>
+          <p:cNvPr id="3" name="Slide Number Placeholder 2">
+            <a:extLst>
+              <a:ext uri="{FF2B5EF4-FFF2-40B4-BE49-F238E27FC236}">
+                <a16:creationId xmlns:a16="http://schemas.microsoft.com/office/drawing/2014/main" id="{D45F9156-77FD-D46C-DAB7-7E0A10506E0D}"/>
+              </a:ext>
+            </a:extLst>
+          </p:cNvPr>
+          <p:cNvSpPr>
+            <a:spLocks noGrp="1"/>
+          </p:cNvSpPr>
+          <p:nvPr>
+            <p:ph type="sldNum" sz="quarter" idx="12"/>
+          </p:nvPr>
+        </p:nvSpPr>
+        <p:spPr/>
+        <p:txBody>
+          <a:bodyPr/>
+          <a:lstStyle/>
+          <a:p>
+            <a:fld id="{4ED22EA6-6E07-498D-89D0-2FA887FD1E5C}" type="slidenum">
+              <a:rPr lang="vi-VN" smtClean="0"/>
+              <a:t>16</a:t>
+            </a:fld>
+            <a:endParaRPr lang="vi-VN"/>
+          </a:p>
+        </p:txBody>
+      </p:sp>
     </p:spTree>
     <p:extLst>
       <p:ext uri="{BB962C8B-B14F-4D97-AF65-F5344CB8AC3E}">
@@ -4849,13 +5082,13 @@
   <p:clrMapOvr>
     <a:masterClrMapping/>
   </p:clrMapOvr>
-  <mc:AlternateContent xmlns:mc="http://schemas.openxmlformats.org/markup-compatibility/2006">
-    <mc:Choice xmlns:p159="http://schemas.microsoft.com/office/powerpoint/2015/09/main" Requires="p159">
+  <mc:AlternateContent xmlns:mc="http://schemas.openxmlformats.org/markup-compatibility/2006" xmlns:p159="http://schemas.microsoft.com/office/powerpoint/2015/09/main">
+    <mc:Choice Requires="p159">
       <p:transition spd="med">
         <p159:morph option="byObject"/>
       </p:transition>
     </mc:Choice>
-    <mc:Fallback>
+    <mc:Fallback xmlns="">
       <p:transition spd="med">
         <p:fade/>
       </p:transition>
@@ -4934,6 +5167,35 @@
           </a:p>
         </p:txBody>
       </p:sp>
+      <p:sp>
+        <p:nvSpPr>
+          <p:cNvPr id="2" name="Slide Number Placeholder 1">
+            <a:extLst>
+              <a:ext uri="{FF2B5EF4-FFF2-40B4-BE49-F238E27FC236}">
+                <a16:creationId xmlns:a16="http://schemas.microsoft.com/office/drawing/2014/main" id="{70C779EF-AED1-1F0B-97B3-68811B9EA501}"/>
+              </a:ext>
+            </a:extLst>
+          </p:cNvPr>
+          <p:cNvSpPr>
+            <a:spLocks noGrp="1"/>
+          </p:cNvSpPr>
+          <p:nvPr>
+            <p:ph type="sldNum" sz="quarter" idx="12"/>
+          </p:nvPr>
+        </p:nvSpPr>
+        <p:spPr/>
+        <p:txBody>
+          <a:bodyPr/>
+          <a:lstStyle/>
+          <a:p>
+            <a:fld id="{4ED22EA6-6E07-498D-89D0-2FA887FD1E5C}" type="slidenum">
+              <a:rPr lang="vi-VN" smtClean="0"/>
+              <a:t>17</a:t>
+            </a:fld>
+            <a:endParaRPr lang="vi-VN"/>
+          </a:p>
+        </p:txBody>
+      </p:sp>
     </p:spTree>
     <p:extLst>
       <p:ext uri="{BB962C8B-B14F-4D97-AF65-F5344CB8AC3E}">
@@ -4944,13 +5206,13 @@
   <p:clrMapOvr>
     <a:masterClrMapping/>
   </p:clrMapOvr>
-  <mc:AlternateContent xmlns:mc="http://schemas.openxmlformats.org/markup-compatibility/2006">
-    <mc:Choice xmlns:p159="http://schemas.microsoft.com/office/powerpoint/2015/09/main" Requires="p159">
+  <mc:AlternateContent xmlns:mc="http://schemas.openxmlformats.org/markup-compatibility/2006" xmlns:p159="http://schemas.microsoft.com/office/powerpoint/2015/09/main">
+    <mc:Choice Requires="p159">
       <p:transition spd="med">
         <p159:morph option="byObject"/>
       </p:transition>
     </mc:Choice>
-    <mc:Fallback>
+    <mc:Fallback xmlns="">
       <p:transition spd="med">
         <p:fade/>
       </p:transition>
@@ -5148,6 +5410,35 @@
           </a:prstGeom>
         </p:spPr>
       </p:pic>
+      <p:sp>
+        <p:nvSpPr>
+          <p:cNvPr id="2" name="Slide Number Placeholder 1">
+            <a:extLst>
+              <a:ext uri="{FF2B5EF4-FFF2-40B4-BE49-F238E27FC236}">
+                <a16:creationId xmlns:a16="http://schemas.microsoft.com/office/drawing/2014/main" id="{B7ACDA04-85F1-2CBF-1225-808E22BE127D}"/>
+              </a:ext>
+            </a:extLst>
+          </p:cNvPr>
+          <p:cNvSpPr>
+            <a:spLocks noGrp="1"/>
+          </p:cNvSpPr>
+          <p:nvPr>
+            <p:ph type="sldNum" sz="quarter" idx="12"/>
+          </p:nvPr>
+        </p:nvSpPr>
+        <p:spPr/>
+        <p:txBody>
+          <a:bodyPr/>
+          <a:lstStyle/>
+          <a:p>
+            <a:fld id="{4ED22EA6-6E07-498D-89D0-2FA887FD1E5C}" type="slidenum">
+              <a:rPr lang="vi-VN" smtClean="0"/>
+              <a:t>18</a:t>
+            </a:fld>
+            <a:endParaRPr lang="vi-VN"/>
+          </a:p>
+        </p:txBody>
+      </p:sp>
     </p:spTree>
     <p:extLst>
       <p:ext uri="{BB962C8B-B14F-4D97-AF65-F5344CB8AC3E}">
@@ -5158,13 +5449,13 @@
   <p:clrMapOvr>
     <a:masterClrMapping/>
   </p:clrMapOvr>
-  <mc:AlternateContent xmlns:mc="http://schemas.openxmlformats.org/markup-compatibility/2006">
-    <mc:Choice xmlns:p159="http://schemas.microsoft.com/office/powerpoint/2015/09/main" Requires="p159">
+  <mc:AlternateContent xmlns:mc="http://schemas.openxmlformats.org/markup-compatibility/2006" xmlns:p159="http://schemas.microsoft.com/office/powerpoint/2015/09/main">
+    <mc:Choice Requires="p159">
       <p:transition spd="med">
         <p159:morph option="byObject"/>
       </p:transition>
     </mc:Choice>
-    <mc:Fallback>
+    <mc:Fallback xmlns="">
       <p:transition spd="med">
         <p:fade/>
       </p:transition>
@@ -5418,6 +5709,35 @@
           </a:prstGeom>
         </p:spPr>
       </p:pic>
+      <p:sp>
+        <p:nvSpPr>
+          <p:cNvPr id="4" name="Slide Number Placeholder 3">
+            <a:extLst>
+              <a:ext uri="{FF2B5EF4-FFF2-40B4-BE49-F238E27FC236}">
+                <a16:creationId xmlns:a16="http://schemas.microsoft.com/office/drawing/2014/main" id="{ABEA6F6E-9D94-D423-2E3D-51F41AA8052F}"/>
+              </a:ext>
+            </a:extLst>
+          </p:cNvPr>
+          <p:cNvSpPr>
+            <a:spLocks noGrp="1"/>
+          </p:cNvSpPr>
+          <p:nvPr>
+            <p:ph type="sldNum" sz="quarter" idx="12"/>
+          </p:nvPr>
+        </p:nvSpPr>
+        <p:spPr/>
+        <p:txBody>
+          <a:bodyPr/>
+          <a:lstStyle/>
+          <a:p>
+            <a:fld id="{4ED22EA6-6E07-498D-89D0-2FA887FD1E5C}" type="slidenum">
+              <a:rPr lang="vi-VN" smtClean="0"/>
+              <a:t>19</a:t>
+            </a:fld>
+            <a:endParaRPr lang="vi-VN"/>
+          </a:p>
+        </p:txBody>
+      </p:sp>
     </p:spTree>
     <p:extLst>
       <p:ext uri="{BB962C8B-B14F-4D97-AF65-F5344CB8AC3E}">
@@ -5428,13 +5748,13 @@
   <p:clrMapOvr>
     <a:masterClrMapping/>
   </p:clrMapOvr>
-  <mc:AlternateContent xmlns:mc="http://schemas.openxmlformats.org/markup-compatibility/2006">
-    <mc:Choice xmlns:p159="http://schemas.microsoft.com/office/powerpoint/2015/09/main" Requires="p159">
+  <mc:AlternateContent xmlns:mc="http://schemas.openxmlformats.org/markup-compatibility/2006" xmlns:p159="http://schemas.microsoft.com/office/powerpoint/2015/09/main">
+    <mc:Choice Requires="p159">
       <p:transition spd="med">
         <p159:morph option="byObject"/>
       </p:transition>
     </mc:Choice>
-    <mc:Fallback>
+    <mc:Fallback xmlns="">
       <p:transition spd="med">
         <p:fade/>
       </p:transition>
@@ -5746,6 +6066,35 @@
           </a:p>
         </p:txBody>
       </p:sp>
+      <p:sp>
+        <p:nvSpPr>
+          <p:cNvPr id="4" name="Slide Number Placeholder 3">
+            <a:extLst>
+              <a:ext uri="{FF2B5EF4-FFF2-40B4-BE49-F238E27FC236}">
+                <a16:creationId xmlns:a16="http://schemas.microsoft.com/office/drawing/2014/main" id="{70340DDF-0571-5F91-C526-5784A2B98EF5}"/>
+              </a:ext>
+            </a:extLst>
+          </p:cNvPr>
+          <p:cNvSpPr>
+            <a:spLocks noGrp="1"/>
+          </p:cNvSpPr>
+          <p:nvPr>
+            <p:ph type="sldNum" sz="quarter" idx="12"/>
+          </p:nvPr>
+        </p:nvSpPr>
+        <p:spPr/>
+        <p:txBody>
+          <a:bodyPr/>
+          <a:lstStyle/>
+          <a:p>
+            <a:fld id="{4ED22EA6-6E07-498D-89D0-2FA887FD1E5C}" type="slidenum">
+              <a:rPr lang="vi-VN" smtClean="0"/>
+              <a:t>2</a:t>
+            </a:fld>
+            <a:endParaRPr lang="vi-VN"/>
+          </a:p>
+        </p:txBody>
+      </p:sp>
     </p:spTree>
     <p:extLst>
       <p:ext uri="{BB962C8B-B14F-4D97-AF65-F5344CB8AC3E}">
@@ -5756,13 +6105,13 @@
   <p:clrMapOvr>
     <a:masterClrMapping/>
   </p:clrMapOvr>
-  <mc:AlternateContent xmlns:mc="http://schemas.openxmlformats.org/markup-compatibility/2006">
-    <mc:Choice xmlns:p159="http://schemas.microsoft.com/office/powerpoint/2015/09/main" Requires="p159">
+  <mc:AlternateContent xmlns:mc="http://schemas.openxmlformats.org/markup-compatibility/2006" xmlns:p159="http://schemas.microsoft.com/office/powerpoint/2015/09/main">
+    <mc:Choice Requires="p159">
       <p:transition spd="med">
         <p159:morph option="byObject"/>
       </p:transition>
     </mc:Choice>
-    <mc:Fallback>
+    <mc:Fallback xmlns="">
       <p:transition spd="med">
         <p:fade/>
       </p:transition>
@@ -6307,6 +6656,35 @@
           </a:p>
         </p:txBody>
       </p:sp>
+      <p:sp>
+        <p:nvSpPr>
+          <p:cNvPr id="2" name="Slide Number Placeholder 1">
+            <a:extLst>
+              <a:ext uri="{FF2B5EF4-FFF2-40B4-BE49-F238E27FC236}">
+                <a16:creationId xmlns:a16="http://schemas.microsoft.com/office/drawing/2014/main" id="{8317B46D-75FD-4881-C224-D0DCADBB1083}"/>
+              </a:ext>
+            </a:extLst>
+          </p:cNvPr>
+          <p:cNvSpPr>
+            <a:spLocks noGrp="1"/>
+          </p:cNvSpPr>
+          <p:nvPr>
+            <p:ph type="sldNum" sz="quarter" idx="12"/>
+          </p:nvPr>
+        </p:nvSpPr>
+        <p:spPr/>
+        <p:txBody>
+          <a:bodyPr/>
+          <a:lstStyle/>
+          <a:p>
+            <a:fld id="{4ED22EA6-6E07-498D-89D0-2FA887FD1E5C}" type="slidenum">
+              <a:rPr lang="vi-VN" smtClean="0"/>
+              <a:t>20</a:t>
+            </a:fld>
+            <a:endParaRPr lang="vi-VN"/>
+          </a:p>
+        </p:txBody>
+      </p:sp>
     </p:spTree>
     <p:extLst>
       <p:ext uri="{BB962C8B-B14F-4D97-AF65-F5344CB8AC3E}">
@@ -6317,13 +6695,13 @@
   <p:clrMapOvr>
     <a:masterClrMapping/>
   </p:clrMapOvr>
-  <mc:AlternateContent xmlns:mc="http://schemas.openxmlformats.org/markup-compatibility/2006">
-    <mc:Choice xmlns:p159="http://schemas.microsoft.com/office/powerpoint/2015/09/main" Requires="p159">
+  <mc:AlternateContent xmlns:mc="http://schemas.openxmlformats.org/markup-compatibility/2006" xmlns:p159="http://schemas.microsoft.com/office/powerpoint/2015/09/main">
+    <mc:Choice Requires="p159">
       <p:transition spd="med">
         <p159:morph option="byObject"/>
       </p:transition>
     </mc:Choice>
-    <mc:Fallback>
+    <mc:Fallback xmlns="">
       <p:transition spd="med">
         <p:fade/>
       </p:transition>
@@ -6750,6 +7128,35 @@
           </a:p>
         </p:txBody>
       </p:sp>
+      <p:sp>
+        <p:nvSpPr>
+          <p:cNvPr id="4" name="Slide Number Placeholder 3">
+            <a:extLst>
+              <a:ext uri="{FF2B5EF4-FFF2-40B4-BE49-F238E27FC236}">
+                <a16:creationId xmlns:a16="http://schemas.microsoft.com/office/drawing/2014/main" id="{17C0035E-28C5-126C-4AD9-8A7A630F3C4C}"/>
+              </a:ext>
+            </a:extLst>
+          </p:cNvPr>
+          <p:cNvSpPr>
+            <a:spLocks noGrp="1"/>
+          </p:cNvSpPr>
+          <p:nvPr>
+            <p:ph type="sldNum" sz="quarter" idx="12"/>
+          </p:nvPr>
+        </p:nvSpPr>
+        <p:spPr/>
+        <p:txBody>
+          <a:bodyPr/>
+          <a:lstStyle/>
+          <a:p>
+            <a:fld id="{4ED22EA6-6E07-498D-89D0-2FA887FD1E5C}" type="slidenum">
+              <a:rPr lang="vi-VN" smtClean="0"/>
+              <a:t>21</a:t>
+            </a:fld>
+            <a:endParaRPr lang="vi-VN"/>
+          </a:p>
+        </p:txBody>
+      </p:sp>
     </p:spTree>
     <p:extLst>
       <p:ext uri="{BB962C8B-B14F-4D97-AF65-F5344CB8AC3E}">
@@ -6760,13 +7167,13 @@
   <p:clrMapOvr>
     <a:masterClrMapping/>
   </p:clrMapOvr>
-  <mc:AlternateContent xmlns:mc="http://schemas.openxmlformats.org/markup-compatibility/2006">
-    <mc:Choice xmlns:p159="http://schemas.microsoft.com/office/powerpoint/2015/09/main" Requires="p159">
+  <mc:AlternateContent xmlns:mc="http://schemas.openxmlformats.org/markup-compatibility/2006" xmlns:p159="http://schemas.microsoft.com/office/powerpoint/2015/09/main">
+    <mc:Choice Requires="p159">
       <p:transition spd="med">
         <p159:morph option="byObject"/>
       </p:transition>
     </mc:Choice>
-    <mc:Fallback>
+    <mc:Fallback xmlns="">
       <p:transition spd="med">
         <p:fade/>
       </p:transition>
@@ -7140,8 +7547,8 @@
           </a:p>
         </p:txBody>
       </p:sp>
-      <mc:AlternateContent xmlns:mc="http://schemas.openxmlformats.org/markup-compatibility/2006">
-        <mc:Choice xmlns:a14="http://schemas.microsoft.com/office/drawing/2010/main" Requires="a14">
+      <mc:AlternateContent xmlns:mc="http://schemas.openxmlformats.org/markup-compatibility/2006" xmlns:a14="http://schemas.microsoft.com/office/drawing/2010/main">
+        <mc:Choice Requires="a14">
           <p:sp>
             <p:nvSpPr>
               <p:cNvPr id="3" name="Content Placeholder 2">
@@ -7659,7 +8066,7 @@
             </p:txBody>
           </p:sp>
         </mc:Choice>
-        <mc:Fallback>
+        <mc:Fallback xmlns="">
           <p:sp>
             <p:nvSpPr>
               <p:cNvPr id="3" name="Content Placeholder 2">
@@ -7699,6 +8106,35 @@
           </p:sp>
         </mc:Fallback>
       </mc:AlternateContent>
+      <p:sp>
+        <p:nvSpPr>
+          <p:cNvPr id="4" name="Slide Number Placeholder 3">
+            <a:extLst>
+              <a:ext uri="{FF2B5EF4-FFF2-40B4-BE49-F238E27FC236}">
+                <a16:creationId xmlns:a16="http://schemas.microsoft.com/office/drawing/2014/main" id="{13895525-6976-1494-EAE0-EAB7E28358B5}"/>
+              </a:ext>
+            </a:extLst>
+          </p:cNvPr>
+          <p:cNvSpPr>
+            <a:spLocks noGrp="1"/>
+          </p:cNvSpPr>
+          <p:nvPr>
+            <p:ph type="sldNum" sz="quarter" idx="12"/>
+          </p:nvPr>
+        </p:nvSpPr>
+        <p:spPr/>
+        <p:txBody>
+          <a:bodyPr/>
+          <a:lstStyle/>
+          <a:p>
+            <a:fld id="{4ED22EA6-6E07-498D-89D0-2FA887FD1E5C}" type="slidenum">
+              <a:rPr lang="vi-VN" smtClean="0"/>
+              <a:t>22</a:t>
+            </a:fld>
+            <a:endParaRPr lang="vi-VN"/>
+          </a:p>
+        </p:txBody>
+      </p:sp>
     </p:spTree>
     <p:extLst>
       <p:ext uri="{BB962C8B-B14F-4D97-AF65-F5344CB8AC3E}">
@@ -7709,13 +8145,13 @@
   <p:clrMapOvr>
     <a:masterClrMapping/>
   </p:clrMapOvr>
-  <mc:AlternateContent xmlns:mc="http://schemas.openxmlformats.org/markup-compatibility/2006">
-    <mc:Choice xmlns:p159="http://schemas.microsoft.com/office/powerpoint/2015/09/main" Requires="p159">
+  <mc:AlternateContent xmlns:mc="http://schemas.openxmlformats.org/markup-compatibility/2006" xmlns:p159="http://schemas.microsoft.com/office/powerpoint/2015/09/main">
+    <mc:Choice Requires="p159">
       <p:transition spd="med">
         <p159:morph option="byObject"/>
       </p:transition>
     </mc:Choice>
-    <mc:Fallback>
+    <mc:Fallback xmlns="">
       <p:transition spd="med">
         <p:fade/>
       </p:transition>
@@ -8311,6 +8747,35 @@
           </a:p>
         </p:txBody>
       </p:sp>
+      <p:sp>
+        <p:nvSpPr>
+          <p:cNvPr id="3" name="Slide Number Placeholder 2">
+            <a:extLst>
+              <a:ext uri="{FF2B5EF4-FFF2-40B4-BE49-F238E27FC236}">
+                <a16:creationId xmlns:a16="http://schemas.microsoft.com/office/drawing/2014/main" id="{1FA53556-E364-71FB-A59E-D52AF63D6F4B}"/>
+              </a:ext>
+            </a:extLst>
+          </p:cNvPr>
+          <p:cNvSpPr>
+            <a:spLocks noGrp="1"/>
+          </p:cNvSpPr>
+          <p:nvPr>
+            <p:ph type="sldNum" sz="quarter" idx="12"/>
+          </p:nvPr>
+        </p:nvSpPr>
+        <p:spPr/>
+        <p:txBody>
+          <a:bodyPr/>
+          <a:lstStyle/>
+          <a:p>
+            <a:fld id="{4ED22EA6-6E07-498D-89D0-2FA887FD1E5C}" type="slidenum">
+              <a:rPr lang="vi-VN" smtClean="0"/>
+              <a:t>23</a:t>
+            </a:fld>
+            <a:endParaRPr lang="vi-VN"/>
+          </a:p>
+        </p:txBody>
+      </p:sp>
     </p:spTree>
     <p:extLst>
       <p:ext uri="{BB962C8B-B14F-4D97-AF65-F5344CB8AC3E}">
@@ -8321,13 +8786,13 @@
   <p:clrMapOvr>
     <a:masterClrMapping/>
   </p:clrMapOvr>
-  <mc:AlternateContent xmlns:mc="http://schemas.openxmlformats.org/markup-compatibility/2006">
-    <mc:Choice xmlns:p159="http://schemas.microsoft.com/office/powerpoint/2015/09/main" Requires="p159">
+  <mc:AlternateContent xmlns:mc="http://schemas.openxmlformats.org/markup-compatibility/2006" xmlns:p159="http://schemas.microsoft.com/office/powerpoint/2015/09/main">
+    <mc:Choice Requires="p159">
       <p:transition spd="med">
         <p159:morph option="byObject"/>
       </p:transition>
     </mc:Choice>
-    <mc:Fallback>
+    <mc:Fallback xmlns="">
       <p:transition spd="med">
         <p:fade/>
       </p:transition>
@@ -8930,6 +9395,35 @@
           </a:p>
         </p:txBody>
       </p:sp>
+      <p:sp>
+        <p:nvSpPr>
+          <p:cNvPr id="2" name="Slide Number Placeholder 1">
+            <a:extLst>
+              <a:ext uri="{FF2B5EF4-FFF2-40B4-BE49-F238E27FC236}">
+                <a16:creationId xmlns:a16="http://schemas.microsoft.com/office/drawing/2014/main" id="{FE000DAE-8C08-6FA4-61B5-F988D575427E}"/>
+              </a:ext>
+            </a:extLst>
+          </p:cNvPr>
+          <p:cNvSpPr>
+            <a:spLocks noGrp="1"/>
+          </p:cNvSpPr>
+          <p:nvPr>
+            <p:ph type="sldNum" sz="quarter" idx="12"/>
+          </p:nvPr>
+        </p:nvSpPr>
+        <p:spPr/>
+        <p:txBody>
+          <a:bodyPr/>
+          <a:lstStyle/>
+          <a:p>
+            <a:fld id="{4ED22EA6-6E07-498D-89D0-2FA887FD1E5C}" type="slidenum">
+              <a:rPr lang="vi-VN" smtClean="0"/>
+              <a:t>24</a:t>
+            </a:fld>
+            <a:endParaRPr lang="vi-VN"/>
+          </a:p>
+        </p:txBody>
+      </p:sp>
     </p:spTree>
     <p:extLst>
       <p:ext uri="{BB962C8B-B14F-4D97-AF65-F5344CB8AC3E}">
@@ -8940,13 +9434,13 @@
   <p:clrMapOvr>
     <a:masterClrMapping/>
   </p:clrMapOvr>
-  <mc:AlternateContent xmlns:mc="http://schemas.openxmlformats.org/markup-compatibility/2006">
-    <mc:Choice xmlns:p159="http://schemas.microsoft.com/office/powerpoint/2015/09/main" Requires="p159">
+  <mc:AlternateContent xmlns:mc="http://schemas.openxmlformats.org/markup-compatibility/2006" xmlns:p159="http://schemas.microsoft.com/office/powerpoint/2015/09/main">
+    <mc:Choice Requires="p159">
       <p:transition spd="med">
         <p159:morph option="byObject"/>
       </p:transition>
     </mc:Choice>
-    <mc:Fallback>
+    <mc:Fallback xmlns="">
       <p:transition spd="med">
         <p:fade/>
       </p:transition>
@@ -9158,6 +9652,35 @@
           </a:p>
         </p:txBody>
       </p:sp>
+      <p:sp>
+        <p:nvSpPr>
+          <p:cNvPr id="4" name="Slide Number Placeholder 3">
+            <a:extLst>
+              <a:ext uri="{FF2B5EF4-FFF2-40B4-BE49-F238E27FC236}">
+                <a16:creationId xmlns:a16="http://schemas.microsoft.com/office/drawing/2014/main" id="{600BFC35-B129-9C38-58C6-DD5F080F2276}"/>
+              </a:ext>
+            </a:extLst>
+          </p:cNvPr>
+          <p:cNvSpPr>
+            <a:spLocks noGrp="1"/>
+          </p:cNvSpPr>
+          <p:nvPr>
+            <p:ph type="sldNum" sz="quarter" idx="12"/>
+          </p:nvPr>
+        </p:nvSpPr>
+        <p:spPr/>
+        <p:txBody>
+          <a:bodyPr/>
+          <a:lstStyle/>
+          <a:p>
+            <a:fld id="{4ED22EA6-6E07-498D-89D0-2FA887FD1E5C}" type="slidenum">
+              <a:rPr lang="vi-VN" smtClean="0"/>
+              <a:t>25</a:t>
+            </a:fld>
+            <a:endParaRPr lang="vi-VN"/>
+          </a:p>
+        </p:txBody>
+      </p:sp>
     </p:spTree>
     <p:extLst>
       <p:ext uri="{BB962C8B-B14F-4D97-AF65-F5344CB8AC3E}">
@@ -9168,13 +9691,13 @@
   <p:clrMapOvr>
     <a:masterClrMapping/>
   </p:clrMapOvr>
-  <mc:AlternateContent xmlns:mc="http://schemas.openxmlformats.org/markup-compatibility/2006">
-    <mc:Choice xmlns:p159="http://schemas.microsoft.com/office/powerpoint/2015/09/main" Requires="p159">
+  <mc:AlternateContent xmlns:mc="http://schemas.openxmlformats.org/markup-compatibility/2006" xmlns:p159="http://schemas.microsoft.com/office/powerpoint/2015/09/main">
+    <mc:Choice Requires="p159">
       <p:transition spd="med">
         <p159:morph option="byObject"/>
       </p:transition>
     </mc:Choice>
-    <mc:Fallback>
+    <mc:Fallback xmlns="">
       <p:transition spd="med">
         <p:fade/>
       </p:transition>
@@ -9704,6 +10227,35 @@
           </a:p>
         </p:txBody>
       </p:sp>
+      <p:sp>
+        <p:nvSpPr>
+          <p:cNvPr id="4" name="Slide Number Placeholder 3">
+            <a:extLst>
+              <a:ext uri="{FF2B5EF4-FFF2-40B4-BE49-F238E27FC236}">
+                <a16:creationId xmlns:a16="http://schemas.microsoft.com/office/drawing/2014/main" id="{15279EAA-84B1-107B-8EAE-DAB516758215}"/>
+              </a:ext>
+            </a:extLst>
+          </p:cNvPr>
+          <p:cNvSpPr>
+            <a:spLocks noGrp="1"/>
+          </p:cNvSpPr>
+          <p:nvPr>
+            <p:ph type="sldNum" sz="quarter" idx="12"/>
+          </p:nvPr>
+        </p:nvSpPr>
+        <p:spPr/>
+        <p:txBody>
+          <a:bodyPr/>
+          <a:lstStyle/>
+          <a:p>
+            <a:fld id="{4ED22EA6-6E07-498D-89D0-2FA887FD1E5C}" type="slidenum">
+              <a:rPr lang="vi-VN" smtClean="0"/>
+              <a:t>26</a:t>
+            </a:fld>
+            <a:endParaRPr lang="vi-VN"/>
+          </a:p>
+        </p:txBody>
+      </p:sp>
     </p:spTree>
     <p:extLst>
       <p:ext uri="{BB962C8B-B14F-4D97-AF65-F5344CB8AC3E}">
@@ -9714,13 +10266,13 @@
   <p:clrMapOvr>
     <a:masterClrMapping/>
   </p:clrMapOvr>
-  <mc:AlternateContent xmlns:mc="http://schemas.openxmlformats.org/markup-compatibility/2006">
-    <mc:Choice xmlns:p159="http://schemas.microsoft.com/office/powerpoint/2015/09/main" Requires="p159">
+  <mc:AlternateContent xmlns:mc="http://schemas.openxmlformats.org/markup-compatibility/2006" xmlns:p159="http://schemas.microsoft.com/office/powerpoint/2015/09/main">
+    <mc:Choice Requires="p159">
       <p:transition spd="med">
         <p159:morph option="byObject"/>
       </p:transition>
     </mc:Choice>
-    <mc:Fallback>
+    <mc:Fallback xmlns="">
       <p:transition spd="med">
         <p:fade/>
       </p:transition>
@@ -10051,8 +10603,8 @@
           </a:p>
         </p:txBody>
       </p:sp>
-      <mc:AlternateContent xmlns:mc="http://schemas.openxmlformats.org/markup-compatibility/2006">
-        <mc:Choice xmlns:a14="http://schemas.microsoft.com/office/drawing/2010/main" Requires="a14">
+      <mc:AlternateContent xmlns:mc="http://schemas.openxmlformats.org/markup-compatibility/2006" xmlns:a14="http://schemas.microsoft.com/office/drawing/2010/main">
+        <mc:Choice Requires="a14">
           <p:sp>
             <p:nvSpPr>
               <p:cNvPr id="13" name="Content Placeholder 12">
@@ -10354,7 +10906,7 @@
             </p:txBody>
           </p:sp>
         </mc:Choice>
-        <mc:Fallback>
+        <mc:Fallback xmlns="">
           <p:sp>
             <p:nvSpPr>
               <p:cNvPr id="13" name="Content Placeholder 12">
@@ -10394,6 +10946,35 @@
           </p:sp>
         </mc:Fallback>
       </mc:AlternateContent>
+      <p:sp>
+        <p:nvSpPr>
+          <p:cNvPr id="3" name="Slide Number Placeholder 2">
+            <a:extLst>
+              <a:ext uri="{FF2B5EF4-FFF2-40B4-BE49-F238E27FC236}">
+                <a16:creationId xmlns:a16="http://schemas.microsoft.com/office/drawing/2014/main" id="{0518C323-20C9-9BAC-982B-A3D280A58FE4}"/>
+              </a:ext>
+            </a:extLst>
+          </p:cNvPr>
+          <p:cNvSpPr>
+            <a:spLocks noGrp="1"/>
+          </p:cNvSpPr>
+          <p:nvPr>
+            <p:ph type="sldNum" sz="quarter" idx="12"/>
+          </p:nvPr>
+        </p:nvSpPr>
+        <p:spPr/>
+        <p:txBody>
+          <a:bodyPr/>
+          <a:lstStyle/>
+          <a:p>
+            <a:fld id="{4ED22EA6-6E07-498D-89D0-2FA887FD1E5C}" type="slidenum">
+              <a:rPr lang="vi-VN" smtClean="0"/>
+              <a:t>27</a:t>
+            </a:fld>
+            <a:endParaRPr lang="vi-VN"/>
+          </a:p>
+        </p:txBody>
+      </p:sp>
     </p:spTree>
     <p:extLst>
       <p:ext uri="{BB962C8B-B14F-4D97-AF65-F5344CB8AC3E}">
@@ -10404,13 +10985,13 @@
   <p:clrMapOvr>
     <a:masterClrMapping/>
   </p:clrMapOvr>
-  <mc:AlternateContent xmlns:mc="http://schemas.openxmlformats.org/markup-compatibility/2006">
-    <mc:Choice xmlns:p159="http://schemas.microsoft.com/office/powerpoint/2015/09/main" Requires="p159">
+  <mc:AlternateContent xmlns:mc="http://schemas.openxmlformats.org/markup-compatibility/2006" xmlns:p159="http://schemas.microsoft.com/office/powerpoint/2015/09/main">
+    <mc:Choice Requires="p159">
       <p:transition spd="med">
         <p159:morph option="byObject"/>
       </p:transition>
     </mc:Choice>
-    <mc:Fallback>
+    <mc:Fallback xmlns="">
       <p:transition spd="med">
         <p:fade/>
       </p:transition>
@@ -10781,8 +11362,8 @@
           </a:p>
         </p:txBody>
       </p:sp>
-      <mc:AlternateContent xmlns:mc="http://schemas.openxmlformats.org/markup-compatibility/2006">
-        <mc:Choice xmlns:a14="http://schemas.microsoft.com/office/drawing/2010/main" Requires="a14">
+      <mc:AlternateContent xmlns:mc="http://schemas.openxmlformats.org/markup-compatibility/2006" xmlns:a14="http://schemas.microsoft.com/office/drawing/2010/main">
+        <mc:Choice Requires="a14">
           <p:sp>
             <p:nvSpPr>
               <p:cNvPr id="13" name="Content Placeholder 12">
@@ -11136,7 +11717,7 @@
                                   <a:latin typeface="Cambria Math" panose="02040503050406030204" pitchFamily="18" charset="0"/>
                                   <a:ea typeface="Cambria Math" panose="02040503050406030204" pitchFamily="18" charset="0"/>
                                 </a:rPr>
-                                <m:t>-</m:t>
+                                <m:t>−</m:t>
                               </m:r>
                               <m:r>
                                 <a:rPr lang="vi-VN" i="1">
@@ -11348,7 +11929,7 @@
             </p:txBody>
           </p:sp>
         </mc:Choice>
-        <mc:Fallback>
+        <mc:Fallback xmlns="">
           <p:sp>
             <p:nvSpPr>
               <p:cNvPr id="13" name="Content Placeholder 12">
@@ -11388,6 +11969,35 @@
           </p:sp>
         </mc:Fallback>
       </mc:AlternateContent>
+      <p:sp>
+        <p:nvSpPr>
+          <p:cNvPr id="3" name="Slide Number Placeholder 2">
+            <a:extLst>
+              <a:ext uri="{FF2B5EF4-FFF2-40B4-BE49-F238E27FC236}">
+                <a16:creationId xmlns:a16="http://schemas.microsoft.com/office/drawing/2014/main" id="{F9C726EB-F0D0-31BC-07D8-EFC66D667D53}"/>
+              </a:ext>
+            </a:extLst>
+          </p:cNvPr>
+          <p:cNvSpPr>
+            <a:spLocks noGrp="1"/>
+          </p:cNvSpPr>
+          <p:nvPr>
+            <p:ph type="sldNum" sz="quarter" idx="12"/>
+          </p:nvPr>
+        </p:nvSpPr>
+        <p:spPr/>
+        <p:txBody>
+          <a:bodyPr/>
+          <a:lstStyle/>
+          <a:p>
+            <a:fld id="{4ED22EA6-6E07-498D-89D0-2FA887FD1E5C}" type="slidenum">
+              <a:rPr lang="vi-VN" smtClean="0"/>
+              <a:t>28</a:t>
+            </a:fld>
+            <a:endParaRPr lang="vi-VN"/>
+          </a:p>
+        </p:txBody>
+      </p:sp>
     </p:spTree>
     <p:extLst>
       <p:ext uri="{BB962C8B-B14F-4D97-AF65-F5344CB8AC3E}">
@@ -11398,13 +12008,13 @@
   <p:clrMapOvr>
     <a:masterClrMapping/>
   </p:clrMapOvr>
-  <mc:AlternateContent xmlns:mc="http://schemas.openxmlformats.org/markup-compatibility/2006">
-    <mc:Choice xmlns:p159="http://schemas.microsoft.com/office/powerpoint/2015/09/main" Requires="p159">
+  <mc:AlternateContent xmlns:mc="http://schemas.openxmlformats.org/markup-compatibility/2006" xmlns:p159="http://schemas.microsoft.com/office/powerpoint/2015/09/main">
+    <mc:Choice Requires="p159">
       <p:transition spd="med">
         <p159:morph option="byObject"/>
       </p:transition>
     </mc:Choice>
-    <mc:Fallback>
+    <mc:Fallback xmlns="">
       <p:transition spd="med">
         <p:fade/>
       </p:transition>
@@ -11726,8 +12336,8 @@
           </a:p>
         </p:txBody>
       </p:sp>
-      <mc:AlternateContent xmlns:mc="http://schemas.openxmlformats.org/markup-compatibility/2006">
-        <mc:Choice xmlns:a14="http://schemas.microsoft.com/office/drawing/2010/main" Requires="a14">
+      <mc:AlternateContent xmlns:mc="http://schemas.openxmlformats.org/markup-compatibility/2006" xmlns:a14="http://schemas.microsoft.com/office/drawing/2010/main">
+        <mc:Choice Requires="a14">
           <p:sp>
             <p:nvSpPr>
               <p:cNvPr id="3" name="Content Placeholder 2">
@@ -12373,7 +12983,7 @@
             </p:txBody>
           </p:sp>
         </mc:Choice>
-        <mc:Fallback>
+        <mc:Fallback xmlns="">
           <p:sp>
             <p:nvSpPr>
               <p:cNvPr id="3" name="Content Placeholder 2">
@@ -12413,6 +13023,35 @@
           </p:sp>
         </mc:Fallback>
       </mc:AlternateContent>
+      <p:sp>
+        <p:nvSpPr>
+          <p:cNvPr id="4" name="Slide Number Placeholder 3">
+            <a:extLst>
+              <a:ext uri="{FF2B5EF4-FFF2-40B4-BE49-F238E27FC236}">
+                <a16:creationId xmlns:a16="http://schemas.microsoft.com/office/drawing/2014/main" id="{89B54D04-BB24-30B9-1F05-F25BF5453A4D}"/>
+              </a:ext>
+            </a:extLst>
+          </p:cNvPr>
+          <p:cNvSpPr>
+            <a:spLocks noGrp="1"/>
+          </p:cNvSpPr>
+          <p:nvPr>
+            <p:ph type="sldNum" sz="quarter" idx="12"/>
+          </p:nvPr>
+        </p:nvSpPr>
+        <p:spPr/>
+        <p:txBody>
+          <a:bodyPr/>
+          <a:lstStyle/>
+          <a:p>
+            <a:fld id="{4ED22EA6-6E07-498D-89D0-2FA887FD1E5C}" type="slidenum">
+              <a:rPr lang="vi-VN" smtClean="0"/>
+              <a:t>29</a:t>
+            </a:fld>
+            <a:endParaRPr lang="vi-VN"/>
+          </a:p>
+        </p:txBody>
+      </p:sp>
     </p:spTree>
     <p:extLst>
       <p:ext uri="{BB962C8B-B14F-4D97-AF65-F5344CB8AC3E}">
@@ -12423,13 +13062,13 @@
   <p:clrMapOvr>
     <a:masterClrMapping/>
   </p:clrMapOvr>
-  <mc:AlternateContent xmlns:mc="http://schemas.openxmlformats.org/markup-compatibility/2006">
-    <mc:Choice xmlns:p159="http://schemas.microsoft.com/office/powerpoint/2015/09/main" Requires="p159">
+  <mc:AlternateContent xmlns:mc="http://schemas.openxmlformats.org/markup-compatibility/2006" xmlns:p159="http://schemas.microsoft.com/office/powerpoint/2015/09/main">
+    <mc:Choice Requires="p159">
       <p:transition spd="med">
         <p159:morph option="byObject"/>
       </p:transition>
     </mc:Choice>
-    <mc:Fallback>
+    <mc:Fallback xmlns="">
       <p:transition spd="med">
         <p:fade/>
       </p:transition>
@@ -14264,6 +14903,35 @@
           </a:graphicData>
         </a:graphic>
       </p:graphicFrame>
+      <p:sp>
+        <p:nvSpPr>
+          <p:cNvPr id="3" name="Slide Number Placeholder 2">
+            <a:extLst>
+              <a:ext uri="{FF2B5EF4-FFF2-40B4-BE49-F238E27FC236}">
+                <a16:creationId xmlns:a16="http://schemas.microsoft.com/office/drawing/2014/main" id="{AF213459-969B-99A3-6186-9362D15A6A3B}"/>
+              </a:ext>
+            </a:extLst>
+          </p:cNvPr>
+          <p:cNvSpPr>
+            <a:spLocks noGrp="1"/>
+          </p:cNvSpPr>
+          <p:nvPr>
+            <p:ph type="sldNum" sz="quarter" idx="12"/>
+          </p:nvPr>
+        </p:nvSpPr>
+        <p:spPr/>
+        <p:txBody>
+          <a:bodyPr/>
+          <a:lstStyle/>
+          <a:p>
+            <a:fld id="{4ED22EA6-6E07-498D-89D0-2FA887FD1E5C}" type="slidenum">
+              <a:rPr lang="vi-VN" smtClean="0"/>
+              <a:t>3</a:t>
+            </a:fld>
+            <a:endParaRPr lang="vi-VN"/>
+          </a:p>
+        </p:txBody>
+      </p:sp>
     </p:spTree>
     <p:extLst>
       <p:ext uri="{BB962C8B-B14F-4D97-AF65-F5344CB8AC3E}">
@@ -14274,13 +14942,13 @@
   <p:clrMapOvr>
     <a:masterClrMapping/>
   </p:clrMapOvr>
-  <mc:AlternateContent xmlns:mc="http://schemas.openxmlformats.org/markup-compatibility/2006">
-    <mc:Choice xmlns:p159="http://schemas.microsoft.com/office/powerpoint/2015/09/main" Requires="p159">
+  <mc:AlternateContent xmlns:mc="http://schemas.openxmlformats.org/markup-compatibility/2006" xmlns:p159="http://schemas.microsoft.com/office/powerpoint/2015/09/main">
+    <mc:Choice Requires="p159">
       <p:transition spd="med">
         <p159:morph option="byObject"/>
       </p:transition>
     </mc:Choice>
-    <mc:Fallback>
+    <mc:Fallback xmlns="">
       <p:transition spd="med">
         <p:fade/>
       </p:transition>
@@ -14428,8 +15096,8 @@
           </a:p>
         </p:txBody>
       </p:sp>
-      <mc:AlternateContent xmlns:mc="http://schemas.openxmlformats.org/markup-compatibility/2006">
-        <mc:Choice xmlns:a14="http://schemas.microsoft.com/office/drawing/2010/main" Requires="a14">
+      <mc:AlternateContent xmlns:mc="http://schemas.openxmlformats.org/markup-compatibility/2006" xmlns:a14="http://schemas.microsoft.com/office/drawing/2010/main">
+        <mc:Choice Requires="a14">
           <p:sp>
             <p:nvSpPr>
               <p:cNvPr id="3" name="Content Placeholder 2">
@@ -14579,14 +15247,7 @@
                                   <a:latin typeface="Cambria Math" panose="02040503050406030204" pitchFamily="18" charset="0"/>
                                   <a:ea typeface="Cambria Math" panose="02040503050406030204" pitchFamily="18" charset="0"/>
                                 </a:rPr>
-                                <m:t>−</m:t>
-                              </m:r>
-                              <m:r>
-                                <a:rPr lang="vi-VN" i="1">
-                                  <a:latin typeface="Cambria Math" panose="02040503050406030204" pitchFamily="18" charset="0"/>
-                                  <a:ea typeface="Cambria Math" panose="02040503050406030204" pitchFamily="18" charset="0"/>
-                                </a:rPr>
-                                <m:t>1</m:t>
+                                <m:t>−1</m:t>
                               </m:r>
                             </m:den>
                           </m:f>
@@ -14620,14 +15281,7 @@
                               <a:latin typeface="Cambria Math" panose="02040503050406030204" pitchFamily="18" charset="0"/>
                               <a:ea typeface="Cambria Math" panose="02040503050406030204" pitchFamily="18" charset="0"/>
                             </a:rPr>
-                            <m:t>=</m:t>
-                          </m:r>
-                          <m:r>
-                            <a:rPr lang="vi-VN" i="1">
-                              <a:latin typeface="Cambria Math" panose="02040503050406030204" pitchFamily="18" charset="0"/>
-                              <a:ea typeface="Cambria Math" panose="02040503050406030204" pitchFamily="18" charset="0"/>
-                            </a:rPr>
-                            <m:t>1</m:t>
+                            <m:t>=1</m:t>
                           </m:r>
                         </m:sub>
                         <m:sup>
@@ -14784,7 +15438,7 @@
             </p:txBody>
           </p:sp>
         </mc:Choice>
-        <mc:Fallback>
+        <mc:Fallback xmlns="">
           <p:sp>
             <p:nvSpPr>
               <p:cNvPr id="3" name="Content Placeholder 2">
@@ -14824,6 +15478,35 @@
           </p:sp>
         </mc:Fallback>
       </mc:AlternateContent>
+      <p:sp>
+        <p:nvSpPr>
+          <p:cNvPr id="4" name="Slide Number Placeholder 3">
+            <a:extLst>
+              <a:ext uri="{FF2B5EF4-FFF2-40B4-BE49-F238E27FC236}">
+                <a16:creationId xmlns:a16="http://schemas.microsoft.com/office/drawing/2014/main" id="{C79EC42E-2BBC-A4E1-C8F7-3FFBD79ABB93}"/>
+              </a:ext>
+            </a:extLst>
+          </p:cNvPr>
+          <p:cNvSpPr>
+            <a:spLocks noGrp="1"/>
+          </p:cNvSpPr>
+          <p:nvPr>
+            <p:ph type="sldNum" sz="quarter" idx="12"/>
+          </p:nvPr>
+        </p:nvSpPr>
+        <p:spPr/>
+        <p:txBody>
+          <a:bodyPr/>
+          <a:lstStyle/>
+          <a:p>
+            <a:fld id="{4ED22EA6-6E07-498D-89D0-2FA887FD1E5C}" type="slidenum">
+              <a:rPr lang="vi-VN" smtClean="0"/>
+              <a:t>30</a:t>
+            </a:fld>
+            <a:endParaRPr lang="vi-VN"/>
+          </a:p>
+        </p:txBody>
+      </p:sp>
     </p:spTree>
     <p:extLst>
       <p:ext uri="{BB962C8B-B14F-4D97-AF65-F5344CB8AC3E}">
@@ -14834,13 +15517,13 @@
   <p:clrMapOvr>
     <a:masterClrMapping/>
   </p:clrMapOvr>
-  <mc:AlternateContent xmlns:mc="http://schemas.openxmlformats.org/markup-compatibility/2006">
-    <mc:Choice xmlns:p159="http://schemas.microsoft.com/office/powerpoint/2015/09/main" Requires="p159">
+  <mc:AlternateContent xmlns:mc="http://schemas.openxmlformats.org/markup-compatibility/2006" xmlns:p159="http://schemas.microsoft.com/office/powerpoint/2015/09/main">
+    <mc:Choice Requires="p159">
       <p:transition spd="med">
         <p159:morph option="byObject"/>
       </p:transition>
     </mc:Choice>
-    <mc:Fallback>
+    <mc:Fallback xmlns="">
       <p:transition spd="med">
         <p:fade/>
       </p:transition>
@@ -15505,6 +16188,35 @@
           </p:sp>
         </mc:Fallback>
       </mc:AlternateContent>
+      <p:sp>
+        <p:nvSpPr>
+          <p:cNvPr id="4" name="Slide Number Placeholder 3">
+            <a:extLst>
+              <a:ext uri="{FF2B5EF4-FFF2-40B4-BE49-F238E27FC236}">
+                <a16:creationId xmlns:a16="http://schemas.microsoft.com/office/drawing/2014/main" id="{6C4E8126-86EC-212C-7F34-99DD3A479313}"/>
+              </a:ext>
+            </a:extLst>
+          </p:cNvPr>
+          <p:cNvSpPr>
+            <a:spLocks noGrp="1"/>
+          </p:cNvSpPr>
+          <p:nvPr>
+            <p:ph type="sldNum" sz="quarter" idx="12"/>
+          </p:nvPr>
+        </p:nvSpPr>
+        <p:spPr/>
+        <p:txBody>
+          <a:bodyPr/>
+          <a:lstStyle/>
+          <a:p>
+            <a:fld id="{4ED22EA6-6E07-498D-89D0-2FA887FD1E5C}" type="slidenum">
+              <a:rPr lang="vi-VN" smtClean="0"/>
+              <a:t>31</a:t>
+            </a:fld>
+            <a:endParaRPr lang="vi-VN"/>
+          </a:p>
+        </p:txBody>
+      </p:sp>
     </p:spTree>
     <p:extLst>
       <p:ext uri="{BB962C8B-B14F-4D97-AF65-F5344CB8AC3E}">
@@ -15515,13 +16227,13 @@
   <p:clrMapOvr>
     <a:masterClrMapping/>
   </p:clrMapOvr>
-  <mc:AlternateContent xmlns:mc="http://schemas.openxmlformats.org/markup-compatibility/2006">
-    <mc:Choice xmlns:p159="http://schemas.microsoft.com/office/powerpoint/2015/09/main" Requires="p159">
+  <mc:AlternateContent xmlns:mc="http://schemas.openxmlformats.org/markup-compatibility/2006" xmlns:p159="http://schemas.microsoft.com/office/powerpoint/2015/09/main">
+    <mc:Choice Requires="p159">
       <p:transition spd="med">
         <p159:morph option="byObject"/>
       </p:transition>
     </mc:Choice>
-    <mc:Fallback>
+    <mc:Fallback xmlns="">
       <p:transition spd="med">
         <p:fade/>
       </p:transition>
@@ -15763,8 +16475,8 @@
           </a:p>
         </p:txBody>
       </p:sp>
-      <mc:AlternateContent xmlns:mc="http://schemas.openxmlformats.org/markup-compatibility/2006">
-        <mc:Choice xmlns:a14="http://schemas.microsoft.com/office/drawing/2010/main" Requires="a14">
+      <mc:AlternateContent xmlns:mc="http://schemas.openxmlformats.org/markup-compatibility/2006" xmlns:a14="http://schemas.microsoft.com/office/drawing/2010/main">
+        <mc:Choice Requires="a14">
           <p:sp>
             <p:nvSpPr>
               <p:cNvPr id="3" name="Content Placeholder 2">
@@ -16000,7 +16712,7 @@
             </p:txBody>
           </p:sp>
         </mc:Choice>
-        <mc:Fallback>
+        <mc:Fallback xmlns="">
           <p:sp>
             <p:nvSpPr>
               <p:cNvPr id="3" name="Content Placeholder 2">
@@ -16040,6 +16752,35 @@
           </p:sp>
         </mc:Fallback>
       </mc:AlternateContent>
+      <p:sp>
+        <p:nvSpPr>
+          <p:cNvPr id="4" name="Slide Number Placeholder 3">
+            <a:extLst>
+              <a:ext uri="{FF2B5EF4-FFF2-40B4-BE49-F238E27FC236}">
+                <a16:creationId xmlns:a16="http://schemas.microsoft.com/office/drawing/2014/main" id="{3929C89F-0B71-B17F-1A26-20DAF9C9EC23}"/>
+              </a:ext>
+            </a:extLst>
+          </p:cNvPr>
+          <p:cNvSpPr>
+            <a:spLocks noGrp="1"/>
+          </p:cNvSpPr>
+          <p:nvPr>
+            <p:ph type="sldNum" sz="quarter" idx="12"/>
+          </p:nvPr>
+        </p:nvSpPr>
+        <p:spPr/>
+        <p:txBody>
+          <a:bodyPr/>
+          <a:lstStyle/>
+          <a:p>
+            <a:fld id="{4ED22EA6-6E07-498D-89D0-2FA887FD1E5C}" type="slidenum">
+              <a:rPr lang="vi-VN" smtClean="0"/>
+              <a:t>32</a:t>
+            </a:fld>
+            <a:endParaRPr lang="vi-VN"/>
+          </a:p>
+        </p:txBody>
+      </p:sp>
     </p:spTree>
     <p:extLst>
       <p:ext uri="{BB962C8B-B14F-4D97-AF65-F5344CB8AC3E}">
@@ -16050,13 +16791,13 @@
   <p:clrMapOvr>
     <a:masterClrMapping/>
   </p:clrMapOvr>
-  <mc:AlternateContent xmlns:mc="http://schemas.openxmlformats.org/markup-compatibility/2006">
-    <mc:Choice xmlns:p159="http://schemas.microsoft.com/office/powerpoint/2015/09/main" Requires="p159">
+  <mc:AlternateContent xmlns:mc="http://schemas.openxmlformats.org/markup-compatibility/2006" xmlns:p159="http://schemas.microsoft.com/office/powerpoint/2015/09/main">
+    <mc:Choice Requires="p159">
       <p:transition spd="med">
         <p159:morph option="byObject"/>
       </p:transition>
     </mc:Choice>
-    <mc:Fallback>
+    <mc:Fallback xmlns="">
       <p:transition spd="med">
         <p:fade/>
       </p:transition>
@@ -16326,6 +17067,35 @@
           </a:p>
         </p:txBody>
       </p:sp>
+      <p:sp>
+        <p:nvSpPr>
+          <p:cNvPr id="4" name="Slide Number Placeholder 3">
+            <a:extLst>
+              <a:ext uri="{FF2B5EF4-FFF2-40B4-BE49-F238E27FC236}">
+                <a16:creationId xmlns:a16="http://schemas.microsoft.com/office/drawing/2014/main" id="{41D5FE31-4683-F374-1C1C-4EDE161E4287}"/>
+              </a:ext>
+            </a:extLst>
+          </p:cNvPr>
+          <p:cNvSpPr>
+            <a:spLocks noGrp="1"/>
+          </p:cNvSpPr>
+          <p:nvPr>
+            <p:ph type="sldNum" sz="quarter" idx="12"/>
+          </p:nvPr>
+        </p:nvSpPr>
+        <p:spPr/>
+        <p:txBody>
+          <a:bodyPr/>
+          <a:lstStyle/>
+          <a:p>
+            <a:fld id="{4ED22EA6-6E07-498D-89D0-2FA887FD1E5C}" type="slidenum">
+              <a:rPr lang="vi-VN" smtClean="0"/>
+              <a:t>33</a:t>
+            </a:fld>
+            <a:endParaRPr lang="vi-VN"/>
+          </a:p>
+        </p:txBody>
+      </p:sp>
     </p:spTree>
     <p:extLst>
       <p:ext uri="{BB962C8B-B14F-4D97-AF65-F5344CB8AC3E}">
@@ -16336,13 +17106,13 @@
   <p:clrMapOvr>
     <a:masterClrMapping/>
   </p:clrMapOvr>
-  <mc:AlternateContent xmlns:mc="http://schemas.openxmlformats.org/markup-compatibility/2006">
-    <mc:Choice xmlns:p159="http://schemas.microsoft.com/office/powerpoint/2015/09/main" Requires="p159">
+  <mc:AlternateContent xmlns:mc="http://schemas.openxmlformats.org/markup-compatibility/2006" xmlns:p159="http://schemas.microsoft.com/office/powerpoint/2015/09/main">
+    <mc:Choice Requires="p159">
       <p:transition spd="med">
         <p159:morph option="byObject"/>
       </p:transition>
     </mc:Choice>
-    <mc:Fallback>
+    <mc:Fallback xmlns="">
       <p:transition spd="med">
         <p:fade/>
       </p:transition>
@@ -16421,6 +17191,35 @@
           </a:p>
         </p:txBody>
       </p:sp>
+      <p:sp>
+        <p:nvSpPr>
+          <p:cNvPr id="2" name="Slide Number Placeholder 1">
+            <a:extLst>
+              <a:ext uri="{FF2B5EF4-FFF2-40B4-BE49-F238E27FC236}">
+                <a16:creationId xmlns:a16="http://schemas.microsoft.com/office/drawing/2014/main" id="{BC1FEDD9-C94B-BA6C-A249-BAC0A28CA4C8}"/>
+              </a:ext>
+            </a:extLst>
+          </p:cNvPr>
+          <p:cNvSpPr>
+            <a:spLocks noGrp="1"/>
+          </p:cNvSpPr>
+          <p:nvPr>
+            <p:ph type="sldNum" sz="quarter" idx="12"/>
+          </p:nvPr>
+        </p:nvSpPr>
+        <p:spPr/>
+        <p:txBody>
+          <a:bodyPr/>
+          <a:lstStyle/>
+          <a:p>
+            <a:fld id="{4ED22EA6-6E07-498D-89D0-2FA887FD1E5C}" type="slidenum">
+              <a:rPr lang="vi-VN" smtClean="0"/>
+              <a:t>34</a:t>
+            </a:fld>
+            <a:endParaRPr lang="vi-VN"/>
+          </a:p>
+        </p:txBody>
+      </p:sp>
     </p:spTree>
     <p:extLst>
       <p:ext uri="{BB962C8B-B14F-4D97-AF65-F5344CB8AC3E}">
@@ -16431,13 +17230,13 @@
   <p:clrMapOvr>
     <a:masterClrMapping/>
   </p:clrMapOvr>
-  <mc:AlternateContent xmlns:mc="http://schemas.openxmlformats.org/markup-compatibility/2006">
-    <mc:Choice xmlns:p159="http://schemas.microsoft.com/office/powerpoint/2015/09/main" Requires="p159">
+  <mc:AlternateContent xmlns:mc="http://schemas.openxmlformats.org/markup-compatibility/2006" xmlns:p159="http://schemas.microsoft.com/office/powerpoint/2015/09/main">
+    <mc:Choice Requires="p159">
       <p:transition spd="med">
         <p159:morph option="byObject"/>
       </p:transition>
     </mc:Choice>
-    <mc:Fallback>
+    <mc:Fallback xmlns="">
       <p:transition spd="med">
         <p:fade/>
       </p:transition>
@@ -16525,6 +17324,35 @@
           </a:prstGeom>
         </p:spPr>
       </p:pic>
+      <p:sp>
+        <p:nvSpPr>
+          <p:cNvPr id="3" name="Slide Number Placeholder 2">
+            <a:extLst>
+              <a:ext uri="{FF2B5EF4-FFF2-40B4-BE49-F238E27FC236}">
+                <a16:creationId xmlns:a16="http://schemas.microsoft.com/office/drawing/2014/main" id="{E2ECE10C-D058-4568-23FB-122380707ED7}"/>
+              </a:ext>
+            </a:extLst>
+          </p:cNvPr>
+          <p:cNvSpPr>
+            <a:spLocks noGrp="1"/>
+          </p:cNvSpPr>
+          <p:nvPr>
+            <p:ph type="sldNum" sz="quarter" idx="12"/>
+          </p:nvPr>
+        </p:nvSpPr>
+        <p:spPr/>
+        <p:txBody>
+          <a:bodyPr/>
+          <a:lstStyle/>
+          <a:p>
+            <a:fld id="{4ED22EA6-6E07-498D-89D0-2FA887FD1E5C}" type="slidenum">
+              <a:rPr lang="vi-VN" smtClean="0"/>
+              <a:t>35</a:t>
+            </a:fld>
+            <a:endParaRPr lang="vi-VN"/>
+          </a:p>
+        </p:txBody>
+      </p:sp>
     </p:spTree>
     <p:extLst>
       <p:ext uri="{BB962C8B-B14F-4D97-AF65-F5344CB8AC3E}">
@@ -16535,13 +17363,13 @@
   <p:clrMapOvr>
     <a:masterClrMapping/>
   </p:clrMapOvr>
-  <mc:AlternateContent xmlns:mc="http://schemas.openxmlformats.org/markup-compatibility/2006">
-    <mc:Choice xmlns:p159="http://schemas.microsoft.com/office/powerpoint/2015/09/main" Requires="p159">
+  <mc:AlternateContent xmlns:mc="http://schemas.openxmlformats.org/markup-compatibility/2006" xmlns:p159="http://schemas.microsoft.com/office/powerpoint/2015/09/main">
+    <mc:Choice Requires="p159">
       <p:transition spd="med">
         <p159:morph option="byObject"/>
       </p:transition>
     </mc:Choice>
-    <mc:Fallback>
+    <mc:Fallback xmlns="">
       <p:transition spd="med">
         <p:fade/>
       </p:transition>
@@ -16679,6 +17507,35 @@
           </a:p>
         </p:txBody>
       </p:sp>
+      <p:sp>
+        <p:nvSpPr>
+          <p:cNvPr id="2" name="Slide Number Placeholder 1">
+            <a:extLst>
+              <a:ext uri="{FF2B5EF4-FFF2-40B4-BE49-F238E27FC236}">
+                <a16:creationId xmlns:a16="http://schemas.microsoft.com/office/drawing/2014/main" id="{78754410-70EE-5842-2061-7BB65E0275C2}"/>
+              </a:ext>
+            </a:extLst>
+          </p:cNvPr>
+          <p:cNvSpPr>
+            <a:spLocks noGrp="1"/>
+          </p:cNvSpPr>
+          <p:nvPr>
+            <p:ph type="sldNum" sz="quarter" idx="12"/>
+          </p:nvPr>
+        </p:nvSpPr>
+        <p:spPr/>
+        <p:txBody>
+          <a:bodyPr/>
+          <a:lstStyle/>
+          <a:p>
+            <a:fld id="{4ED22EA6-6E07-498D-89D0-2FA887FD1E5C}" type="slidenum">
+              <a:rPr lang="vi-VN" smtClean="0"/>
+              <a:t>4</a:t>
+            </a:fld>
+            <a:endParaRPr lang="vi-VN"/>
+          </a:p>
+        </p:txBody>
+      </p:sp>
     </p:spTree>
     <p:extLst>
       <p:ext uri="{BB962C8B-B14F-4D97-AF65-F5344CB8AC3E}">
@@ -16689,13 +17546,13 @@
   <p:clrMapOvr>
     <a:masterClrMapping/>
   </p:clrMapOvr>
-  <mc:AlternateContent xmlns:mc="http://schemas.openxmlformats.org/markup-compatibility/2006">
-    <mc:Choice xmlns:p159="http://schemas.microsoft.com/office/powerpoint/2015/09/main" Requires="p159">
+  <mc:AlternateContent xmlns:mc="http://schemas.openxmlformats.org/markup-compatibility/2006" xmlns:p159="http://schemas.microsoft.com/office/powerpoint/2015/09/main">
+    <mc:Choice Requires="p159">
       <p:transition spd="med">
         <p159:morph option="byObject"/>
       </p:transition>
     </mc:Choice>
-    <mc:Fallback>
+    <mc:Fallback xmlns="">
       <p:transition spd="med">
         <p:fade/>
       </p:transition>
@@ -17083,6 +17940,35 @@
           </a:p>
         </p:txBody>
       </p:sp>
+      <p:sp>
+        <p:nvSpPr>
+          <p:cNvPr id="2" name="Slide Number Placeholder 1">
+            <a:extLst>
+              <a:ext uri="{FF2B5EF4-FFF2-40B4-BE49-F238E27FC236}">
+                <a16:creationId xmlns:a16="http://schemas.microsoft.com/office/drawing/2014/main" id="{C4DB4B84-A1BC-C65E-FBB2-20F2AD02EA06}"/>
+              </a:ext>
+            </a:extLst>
+          </p:cNvPr>
+          <p:cNvSpPr>
+            <a:spLocks noGrp="1"/>
+          </p:cNvSpPr>
+          <p:nvPr>
+            <p:ph type="sldNum" sz="quarter" idx="12"/>
+          </p:nvPr>
+        </p:nvSpPr>
+        <p:spPr/>
+        <p:txBody>
+          <a:bodyPr/>
+          <a:lstStyle/>
+          <a:p>
+            <a:fld id="{4ED22EA6-6E07-498D-89D0-2FA887FD1E5C}" type="slidenum">
+              <a:rPr lang="vi-VN" smtClean="0"/>
+              <a:t>5</a:t>
+            </a:fld>
+            <a:endParaRPr lang="vi-VN"/>
+          </a:p>
+        </p:txBody>
+      </p:sp>
     </p:spTree>
     <p:extLst>
       <p:ext uri="{BB962C8B-B14F-4D97-AF65-F5344CB8AC3E}">
@@ -17093,13 +17979,13 @@
   <p:clrMapOvr>
     <a:masterClrMapping/>
   </p:clrMapOvr>
-  <mc:AlternateContent xmlns:mc="http://schemas.openxmlformats.org/markup-compatibility/2006">
-    <mc:Choice xmlns:p159="http://schemas.microsoft.com/office/powerpoint/2015/09/main" Requires="p159">
+  <mc:AlternateContent xmlns:mc="http://schemas.openxmlformats.org/markup-compatibility/2006" xmlns:p159="http://schemas.microsoft.com/office/powerpoint/2015/09/main">
+    <mc:Choice Requires="p159">
       <p:transition spd="med">
         <p159:morph option="byObject"/>
       </p:transition>
     </mc:Choice>
-    <mc:Fallback>
+    <mc:Fallback xmlns="">
       <p:transition spd="med">
         <p:fade/>
       </p:transition>
@@ -17218,6 +18104,35 @@
           </a:p>
         </p:txBody>
       </p:sp>
+      <p:sp>
+        <p:nvSpPr>
+          <p:cNvPr id="2" name="Slide Number Placeholder 1">
+            <a:extLst>
+              <a:ext uri="{FF2B5EF4-FFF2-40B4-BE49-F238E27FC236}">
+                <a16:creationId xmlns:a16="http://schemas.microsoft.com/office/drawing/2014/main" id="{1D63465E-DDC1-1BCF-9EB6-42F89053D50F}"/>
+              </a:ext>
+            </a:extLst>
+          </p:cNvPr>
+          <p:cNvSpPr>
+            <a:spLocks noGrp="1"/>
+          </p:cNvSpPr>
+          <p:nvPr>
+            <p:ph type="sldNum" sz="quarter" idx="12"/>
+          </p:nvPr>
+        </p:nvSpPr>
+        <p:spPr/>
+        <p:txBody>
+          <a:bodyPr/>
+          <a:lstStyle/>
+          <a:p>
+            <a:fld id="{4ED22EA6-6E07-498D-89D0-2FA887FD1E5C}" type="slidenum">
+              <a:rPr lang="vi-VN" smtClean="0"/>
+              <a:t>6</a:t>
+            </a:fld>
+            <a:endParaRPr lang="vi-VN"/>
+          </a:p>
+        </p:txBody>
+      </p:sp>
     </p:spTree>
     <p:extLst>
       <p:ext uri="{BB962C8B-B14F-4D97-AF65-F5344CB8AC3E}">
@@ -17228,13 +18143,13 @@
   <p:clrMapOvr>
     <a:masterClrMapping/>
   </p:clrMapOvr>
-  <mc:AlternateContent xmlns:mc="http://schemas.openxmlformats.org/markup-compatibility/2006">
-    <mc:Choice xmlns:p159="http://schemas.microsoft.com/office/powerpoint/2015/09/main" Requires="p159">
+  <mc:AlternateContent xmlns:mc="http://schemas.openxmlformats.org/markup-compatibility/2006" xmlns:p159="http://schemas.microsoft.com/office/powerpoint/2015/09/main">
+    <mc:Choice Requires="p159">
       <p:transition spd="med">
         <p159:morph option="byObject"/>
       </p:transition>
     </mc:Choice>
-    <mc:Fallback>
+    <mc:Fallback xmlns="">
       <p:transition spd="med">
         <p:fade/>
       </p:transition>
@@ -17628,6 +18543,35 @@
           </a:p>
         </p:txBody>
       </p:sp>
+      <p:sp>
+        <p:nvSpPr>
+          <p:cNvPr id="4" name="Slide Number Placeholder 3">
+            <a:extLst>
+              <a:ext uri="{FF2B5EF4-FFF2-40B4-BE49-F238E27FC236}">
+                <a16:creationId xmlns:a16="http://schemas.microsoft.com/office/drawing/2014/main" id="{56A646C7-C7AF-B9E5-9FBD-C914E8F27869}"/>
+              </a:ext>
+            </a:extLst>
+          </p:cNvPr>
+          <p:cNvSpPr>
+            <a:spLocks noGrp="1"/>
+          </p:cNvSpPr>
+          <p:nvPr>
+            <p:ph type="sldNum" sz="quarter" idx="12"/>
+          </p:nvPr>
+        </p:nvSpPr>
+        <p:spPr/>
+        <p:txBody>
+          <a:bodyPr/>
+          <a:lstStyle/>
+          <a:p>
+            <a:fld id="{4ED22EA6-6E07-498D-89D0-2FA887FD1E5C}" type="slidenum">
+              <a:rPr lang="vi-VN" smtClean="0"/>
+              <a:t>7</a:t>
+            </a:fld>
+            <a:endParaRPr lang="vi-VN"/>
+          </a:p>
+        </p:txBody>
+      </p:sp>
     </p:spTree>
     <p:extLst>
       <p:ext uri="{BB962C8B-B14F-4D97-AF65-F5344CB8AC3E}">
@@ -17638,13 +18582,13 @@
   <p:clrMapOvr>
     <a:masterClrMapping/>
   </p:clrMapOvr>
-  <mc:AlternateContent xmlns:mc="http://schemas.openxmlformats.org/markup-compatibility/2006">
-    <mc:Choice xmlns:p159="http://schemas.microsoft.com/office/powerpoint/2015/09/main" Requires="p159">
+  <mc:AlternateContent xmlns:mc="http://schemas.openxmlformats.org/markup-compatibility/2006" xmlns:p159="http://schemas.microsoft.com/office/powerpoint/2015/09/main">
+    <mc:Choice Requires="p159">
       <p:transition spd="med">
         <p159:morph option="byObject"/>
       </p:transition>
     </mc:Choice>
-    <mc:Fallback>
+    <mc:Fallback xmlns="">
       <p:transition spd="med">
         <p:fade/>
       </p:transition>
@@ -17998,6 +18942,35 @@
           </a:p>
         </p:txBody>
       </p:sp>
+      <p:sp>
+        <p:nvSpPr>
+          <p:cNvPr id="2" name="Slide Number Placeholder 1">
+            <a:extLst>
+              <a:ext uri="{FF2B5EF4-FFF2-40B4-BE49-F238E27FC236}">
+                <a16:creationId xmlns:a16="http://schemas.microsoft.com/office/drawing/2014/main" id="{80110AFD-5477-3C32-5F5C-283026D6E3B2}"/>
+              </a:ext>
+            </a:extLst>
+          </p:cNvPr>
+          <p:cNvSpPr>
+            <a:spLocks noGrp="1"/>
+          </p:cNvSpPr>
+          <p:nvPr>
+            <p:ph type="sldNum" sz="quarter" idx="12"/>
+          </p:nvPr>
+        </p:nvSpPr>
+        <p:spPr/>
+        <p:txBody>
+          <a:bodyPr/>
+          <a:lstStyle/>
+          <a:p>
+            <a:fld id="{4ED22EA6-6E07-498D-89D0-2FA887FD1E5C}" type="slidenum">
+              <a:rPr lang="vi-VN" smtClean="0"/>
+              <a:t>8</a:t>
+            </a:fld>
+            <a:endParaRPr lang="vi-VN"/>
+          </a:p>
+        </p:txBody>
+      </p:sp>
     </p:spTree>
     <p:extLst>
       <p:ext uri="{BB962C8B-B14F-4D97-AF65-F5344CB8AC3E}">
@@ -18008,13 +18981,13 @@
   <p:clrMapOvr>
     <a:masterClrMapping/>
   </p:clrMapOvr>
-  <mc:AlternateContent xmlns:mc="http://schemas.openxmlformats.org/markup-compatibility/2006">
-    <mc:Choice xmlns:p159="http://schemas.microsoft.com/office/powerpoint/2015/09/main" Requires="p159">
+  <mc:AlternateContent xmlns:mc="http://schemas.openxmlformats.org/markup-compatibility/2006" xmlns:p159="http://schemas.microsoft.com/office/powerpoint/2015/09/main">
+    <mc:Choice Requires="p159">
       <p:transition spd="med">
         <p159:morph option="byObject"/>
       </p:transition>
     </mc:Choice>
-    <mc:Fallback>
+    <mc:Fallback xmlns="">
       <p:transition spd="med">
         <p:fade/>
       </p:transition>
@@ -18197,6 +19170,35 @@
           </a:p>
         </p:txBody>
       </p:sp>
+      <p:sp>
+        <p:nvSpPr>
+          <p:cNvPr id="2" name="Slide Number Placeholder 1">
+            <a:extLst>
+              <a:ext uri="{FF2B5EF4-FFF2-40B4-BE49-F238E27FC236}">
+                <a16:creationId xmlns:a16="http://schemas.microsoft.com/office/drawing/2014/main" id="{052B9AE1-6DA4-401A-A6E9-3EDA0330A6E4}"/>
+              </a:ext>
+            </a:extLst>
+          </p:cNvPr>
+          <p:cNvSpPr>
+            <a:spLocks noGrp="1"/>
+          </p:cNvSpPr>
+          <p:nvPr>
+            <p:ph type="sldNum" sz="quarter" idx="12"/>
+          </p:nvPr>
+        </p:nvSpPr>
+        <p:spPr/>
+        <p:txBody>
+          <a:bodyPr/>
+          <a:lstStyle/>
+          <a:p>
+            <a:fld id="{4ED22EA6-6E07-498D-89D0-2FA887FD1E5C}" type="slidenum">
+              <a:rPr lang="vi-VN" smtClean="0"/>
+              <a:t>9</a:t>
+            </a:fld>
+            <a:endParaRPr lang="vi-VN"/>
+          </a:p>
+        </p:txBody>
+      </p:sp>
     </p:spTree>
     <p:extLst>
       <p:ext uri="{BB962C8B-B14F-4D97-AF65-F5344CB8AC3E}">
@@ -18207,13 +19209,13 @@
   <p:clrMapOvr>
     <a:masterClrMapping/>
   </p:clrMapOvr>
-  <mc:AlternateContent xmlns:mc="http://schemas.openxmlformats.org/markup-compatibility/2006">
-    <mc:Choice xmlns:p159="http://schemas.microsoft.com/office/powerpoint/2015/09/main" Requires="p159">
+  <mc:AlternateContent xmlns:mc="http://schemas.openxmlformats.org/markup-compatibility/2006" xmlns:p159="http://schemas.microsoft.com/office/powerpoint/2015/09/main">
+    <mc:Choice Requires="p159">
       <p:transition spd="med">
         <p159:morph option="byObject"/>
       </p:transition>
     </mc:Choice>
-    <mc:Fallback>
+    <mc:Fallback xmlns="">
       <p:transition spd="med">
         <p:fade/>
       </p:transition>

--- a/slide.pptx
+++ b/slide.pptx
@@ -3184,28 +3184,60 @@
           <a:lstStyle/>
           <a:p>
             <a:r>
-              <a:rPr lang="vi-VN"/>
+              <a:rPr lang="vi-VN" dirty="0"/>
               <a:t>Dữ liệu được thu thập từ </a:t>
             </a:r>
             <a:r>
-              <a:rPr lang="vi-VN" i="1">
+              <a:rPr lang="vi-VN" i="1" dirty="0">
                 <a:hlinkClick r:id="rId2"/>
               </a:rPr>
               <a:t>therecipecritic.com</a:t>
             </a:r>
             <a:r>
-              <a:rPr lang="vi-VN" i="1"/>
+              <a:rPr lang="vi-VN" i="1" dirty="0"/>
               <a:t> </a:t>
             </a:r>
             <a:r>
-              <a:rPr lang="vi-VN"/>
-              <a:t>sử dụng Selenium với driver Chrome.</a:t>
-            </a:r>
-          </a:p>
-          <a:p>
-            <a:r>
-              <a:rPr lang="vi-VN"/>
-              <a:t>Gồm 2 giai đoạn chính:</a:t>
+              <a:rPr lang="vi-VN" dirty="0"/>
+              <a:t>sử dụng </a:t>
+            </a:r>
+            <a:r>
+              <a:rPr lang="vi-VN" dirty="0" err="1"/>
+              <a:t>Selenium</a:t>
+            </a:r>
+            <a:r>
+              <a:rPr lang="vi-VN" dirty="0"/>
+              <a:t> với </a:t>
+            </a:r>
+            <a:r>
+              <a:rPr lang="vi-VN" dirty="0" err="1"/>
+              <a:t>driver</a:t>
+            </a:r>
+            <a:r>
+              <a:rPr lang="vi-VN" dirty="0"/>
+              <a:t> </a:t>
+            </a:r>
+            <a:r>
+              <a:rPr lang="vi-VN" dirty="0" err="1"/>
+              <a:t>Chrome</a:t>
+            </a:r>
+            <a:r>
+              <a:rPr lang="vi-VN" dirty="0"/>
+              <a:t>.</a:t>
+            </a:r>
+          </a:p>
+          <a:p>
+            <a:r>
+              <a:rPr lang="vi-VN" dirty="0"/>
+              <a:t>Gồm </a:t>
+            </a:r>
+            <a:r>
+              <a:rPr lang="en-US" dirty="0"/>
+              <a:t>3</a:t>
+            </a:r>
+            <a:r>
+              <a:rPr lang="vi-VN" dirty="0"/>
+              <a:t> giai đoạn chính:</a:t>
             </a:r>
           </a:p>
           <a:p>
@@ -3214,7 +3246,7 @@
               <a:buAutoNum type="arabicPeriod"/>
             </a:pPr>
             <a:r>
-              <a:rPr lang="vi-VN"/>
+              <a:rPr lang="vi-VN" dirty="0"/>
               <a:t>Thu thập đường dẫn danh mục</a:t>
             </a:r>
           </a:p>
@@ -3224,9 +3256,77 @@
               <a:buAutoNum type="arabicPeriod"/>
             </a:pPr>
             <a:r>
-              <a:rPr lang="vi-VN"/>
-              <a:t>Thu thập đường dẫn chi tiết của từng công thức.</a:t>
-            </a:r>
+              <a:rPr lang="vi-VN" dirty="0"/>
+              <a:t>Thu thập đường dẫn của từng công thức.</a:t>
+            </a:r>
+            <a:endParaRPr lang="en-US" dirty="0"/>
+          </a:p>
+          <a:p>
+            <a:pPr marL="914400" lvl="1" indent="-457200">
+              <a:buFont typeface="+mj-lt"/>
+              <a:buAutoNum type="arabicPeriod"/>
+            </a:pPr>
+            <a:r>
+              <a:rPr lang="en-US" dirty="0"/>
+              <a:t>Thu </a:t>
+            </a:r>
+            <a:r>
+              <a:rPr lang="en-US" dirty="0" err="1"/>
+              <a:t>thập</a:t>
+            </a:r>
+            <a:r>
+              <a:rPr lang="en-US" dirty="0"/>
+              <a:t> </a:t>
+            </a:r>
+            <a:r>
+              <a:rPr lang="en-US" dirty="0" err="1"/>
+              <a:t>công</a:t>
+            </a:r>
+            <a:r>
+              <a:rPr lang="en-US" dirty="0"/>
+              <a:t> </a:t>
+            </a:r>
+            <a:r>
+              <a:rPr lang="en-US" dirty="0" err="1"/>
+              <a:t>thức</a:t>
+            </a:r>
+            <a:r>
+              <a:rPr lang="en-US" dirty="0"/>
+              <a:t> chi </a:t>
+            </a:r>
+            <a:r>
+              <a:rPr lang="en-US" dirty="0" err="1"/>
+              <a:t>tiết</a:t>
+            </a:r>
+            <a:r>
+              <a:rPr lang="en-US" dirty="0"/>
+              <a:t> của </a:t>
+            </a:r>
+            <a:r>
+              <a:rPr lang="en-US" dirty="0" err="1"/>
+              <a:t>từng</a:t>
+            </a:r>
+            <a:r>
+              <a:rPr lang="en-US" dirty="0"/>
+              <a:t> </a:t>
+            </a:r>
+            <a:r>
+              <a:rPr lang="en-US" dirty="0" err="1"/>
+              <a:t>công</a:t>
+            </a:r>
+            <a:r>
+              <a:rPr lang="en-US" dirty="0"/>
+              <a:t> </a:t>
+            </a:r>
+            <a:r>
+              <a:rPr lang="en-US" dirty="0" err="1"/>
+              <a:t>thức</a:t>
+            </a:r>
+            <a:r>
+              <a:rPr lang="en-US" dirty="0"/>
+              <a:t>.</a:t>
+            </a:r>
+            <a:endParaRPr lang="vi-VN" dirty="0"/>
           </a:p>
         </p:txBody>
       </p:sp>
@@ -3477,6 +3577,49 @@
                                           <p:spTgt spid="3">
                                             <p:txEl>
                                               <p:pRg st="3" end="3"/>
+                                            </p:txEl>
+                                          </p:spTgt>
+                                        </p:tgtEl>
+                                      </p:cBhvr>
+                                    </p:animEffect>
+                                  </p:childTnLst>
+                                </p:cTn>
+                              </p:par>
+                              <p:par>
+                                <p:cTn id="18" presetID="10" presetClass="entr" presetSubtype="0" fill="hold" nodeType="withEffect">
+                                  <p:stCondLst>
+                                    <p:cond delay="0"/>
+                                  </p:stCondLst>
+                                  <p:childTnLst>
+                                    <p:set>
+                                      <p:cBhvr>
+                                        <p:cTn id="19" dur="1" fill="hold">
+                                          <p:stCondLst>
+                                            <p:cond delay="0"/>
+                                          </p:stCondLst>
+                                        </p:cTn>
+                                        <p:tgtEl>
+                                          <p:spTgt spid="3">
+                                            <p:txEl>
+                                              <p:pRg st="4" end="4"/>
+                                            </p:txEl>
+                                          </p:spTgt>
+                                        </p:tgtEl>
+                                        <p:attrNameLst>
+                                          <p:attrName>style.visibility</p:attrName>
+                                        </p:attrNameLst>
+                                      </p:cBhvr>
+                                      <p:to>
+                                        <p:strVal val="visible"/>
+                                      </p:to>
+                                    </p:set>
+                                    <p:animEffect transition="in" filter="fade">
+                                      <p:cBhvr>
+                                        <p:cTn id="20" dur="500"/>
+                                        <p:tgtEl>
+                                          <p:spTgt spid="3">
+                                            <p:txEl>
+                                              <p:pRg st="4" end="4"/>
                                             </p:txEl>
                                           </p:spTgt>
                                         </p:tgtEl>
@@ -5972,97 +6115,120 @@
           <a:lstStyle/>
           <a:p>
             <a:r>
-              <a:rPr lang="vi-VN" b="1"/>
+              <a:rPr lang="vi-VN" b="1" dirty="0"/>
               <a:t>Môn học:</a:t>
             </a:r>
             <a:r>
-              <a:rPr lang="vi-VN"/>
+              <a:rPr lang="vi-VN" dirty="0"/>
               <a:t> MAT1207E - Nhập môn Trí tuệ Nhân tạo</a:t>
             </a:r>
           </a:p>
           <a:p>
             <a:r>
-              <a:rPr lang="vi-VN" b="1"/>
+              <a:rPr lang="vi-VN" b="1" dirty="0"/>
               <a:t>Học kỳ:</a:t>
             </a:r>
             <a:r>
-              <a:rPr lang="vi-VN"/>
+              <a:rPr lang="vi-VN" dirty="0"/>
               <a:t> Học kỳ 1 - 2025-2026</a:t>
             </a:r>
           </a:p>
           <a:p>
             <a:r>
-              <a:rPr lang="vi-VN" b="1"/>
+              <a:rPr lang="vi-VN" b="1" dirty="0"/>
               <a:t>Trường:</a:t>
             </a:r>
             <a:r>
-              <a:rPr lang="vi-VN"/>
+              <a:rPr lang="vi-VN" dirty="0"/>
               <a:t> VNU-HUS (Đại học Quốc gia Hà Nội - Trường Đại học Khoa học Tự nhiên)</a:t>
             </a:r>
           </a:p>
           <a:p>
             <a:r>
-              <a:rPr lang="vi-VN" b="1"/>
+              <a:rPr lang="vi-VN" b="1" dirty="0"/>
               <a:t>Tiêu đề:</a:t>
             </a:r>
             <a:r>
-              <a:rPr lang="vi-VN"/>
-              <a:t> Chatbot ẩm thực</a:t>
-            </a:r>
-          </a:p>
-          <a:p>
-            <a:r>
-              <a:rPr lang="vi-VN" b="1"/>
+              <a:rPr lang="vi-VN" dirty="0"/>
+              <a:t> </a:t>
+            </a:r>
+            <a:r>
+              <a:rPr lang="vi-VN" dirty="0" err="1"/>
+              <a:t>Chatbot</a:t>
+            </a:r>
+            <a:r>
+              <a:rPr lang="vi-VN" dirty="0"/>
+              <a:t> ẩm thực</a:t>
+            </a:r>
+          </a:p>
+          <a:p>
+            <a:r>
+              <a:rPr lang="vi-VN" b="1" dirty="0"/>
               <a:t>Ngày nộp:</a:t>
             </a:r>
-            <a:endParaRPr lang="vi-VN"/>
-          </a:p>
-          <a:p>
-            <a:r>
-              <a:rPr lang="vi-VN" b="1"/>
+            <a:r>
+              <a:rPr lang="en-US" b="1" dirty="0"/>
+              <a:t> 30/11/2025</a:t>
+            </a:r>
+            <a:endParaRPr lang="vi-VN" dirty="0"/>
+          </a:p>
+          <a:p>
+            <a:r>
+              <a:rPr lang="vi-VN" b="1" dirty="0"/>
               <a:t>Báo cáo PDF:</a:t>
             </a:r>
             <a:r>
-              <a:rPr lang="vi-VN"/>
+              <a:rPr lang="vi-VN" dirty="0"/>
               <a:t> </a:t>
             </a:r>
             <a:r>
-              <a:rPr lang="vi-VN">
+              <a:rPr lang="vi-VN" dirty="0" err="1">
                 <a:hlinkClick r:id="rId2"/>
               </a:rPr>
               <a:t>Github</a:t>
             </a:r>
-            <a:endParaRPr lang="vi-VN"/>
-          </a:p>
-          <a:p>
-            <a:r>
-              <a:rPr lang="vi-VN" b="1"/>
-              <a:t>Slide thuyết trình:</a:t>
-            </a:r>
-            <a:r>
-              <a:rPr lang="vi-VN"/>
-              <a:t> [Liên kết tới slide thuyết trình trong kho lưu trữ này]</a:t>
-            </a:r>
-          </a:p>
-          <a:p>
-            <a:r>
-              <a:rPr lang="vi-VN" b="1"/>
-              <a:t>Kho lưu trữ:</a:t>
-            </a:r>
-            <a:r>
-              <a:rPr lang="vi-VN"/>
+            <a:endParaRPr lang="vi-VN" dirty="0"/>
+          </a:p>
+          <a:p>
+            <a:r>
+              <a:rPr lang="vi-VN" b="1" dirty="0" err="1"/>
+              <a:t>Slide</a:t>
+            </a:r>
+            <a:r>
+              <a:rPr lang="vi-VN" b="1" dirty="0"/>
+              <a:t> thuyết trình:</a:t>
+            </a:r>
+            <a:r>
+              <a:rPr lang="vi-VN" dirty="0"/>
               <a:t> </a:t>
             </a:r>
             <a:r>
-              <a:rPr lang="vi-VN">
+              <a:rPr lang="vi-VN" dirty="0" err="1">
                 <a:hlinkClick r:id="rId3"/>
               </a:rPr>
               <a:t>Github</a:t>
             </a:r>
-            <a:endParaRPr lang="vi-VN"/>
-          </a:p>
-          <a:p>
-            <a:endParaRPr lang="vi-VN"/>
+            <a:endParaRPr lang="en-US" dirty="0"/>
+          </a:p>
+          <a:p>
+            <a:r>
+              <a:rPr lang="vi-VN" b="1" dirty="0"/>
+              <a:t>Kho lưu trữ:</a:t>
+            </a:r>
+            <a:r>
+              <a:rPr lang="vi-VN" dirty="0"/>
+              <a:t> </a:t>
+            </a:r>
+            <a:r>
+              <a:rPr lang="vi-VN" dirty="0" err="1">
+                <a:hlinkClick r:id="rId4"/>
+              </a:rPr>
+              <a:t>Github</a:t>
+            </a:r>
+            <a:endParaRPr lang="vi-VN" dirty="0"/>
+          </a:p>
+          <a:p>
+            <a:endParaRPr lang="vi-VN" dirty="0"/>
           </a:p>
         </p:txBody>
       </p:sp>
@@ -9520,23 +9686,23 @@
           <a:lstStyle/>
           <a:p>
             <a:r>
-              <a:rPr lang="vi-VN" b="1"/>
+              <a:rPr lang="vi-VN" b="1" dirty="0"/>
               <a:t>Số phiên </a:t>
             </a:r>
             <a:r>
-              <a:rPr lang="vi-VN"/>
+              <a:rPr lang="vi-VN" dirty="0"/>
               <a:t>(</a:t>
             </a:r>
             <a:r>
-              <a:rPr lang="vi-VN" i="1"/>
+              <a:rPr lang="vi-VN" i="1" dirty="0" err="1"/>
               <a:t>sessions</a:t>
             </a:r>
             <a:r>
-              <a:rPr lang="vi-VN"/>
+              <a:rPr lang="vi-VN" dirty="0"/>
               <a:t>): 30 phiên với </a:t>
             </a:r>
             <a:r>
-              <a:rPr lang="vi-VN" b="1">
+              <a:rPr lang="vi-VN" b="1" dirty="0" err="1">
                 <a:solidFill>
                   <a:schemeClr val="accent4">
                     <a:lumMod val="75000"/>
@@ -9546,11 +9712,11 @@
               <a:t>multi-turn</a:t>
             </a:r>
             <a:r>
-              <a:rPr lang="vi-VN"/>
+              <a:rPr lang="vi-VN" dirty="0"/>
               <a:t> và 100 phiên với </a:t>
             </a:r>
             <a:r>
-              <a:rPr lang="vi-VN" b="1">
+              <a:rPr lang="vi-VN" b="1" dirty="0" err="1">
                 <a:solidFill>
                   <a:schemeClr val="accent2">
                     <a:lumMod val="75000"/>
@@ -9560,17 +9726,17 @@
               <a:t>one-shot</a:t>
             </a:r>
             <a:r>
-              <a:rPr lang="vi-VN"/>
+              <a:rPr lang="vi-VN" dirty="0"/>
               <a:t>.</a:t>
             </a:r>
           </a:p>
           <a:p>
             <a:r>
-              <a:rPr lang="vi-VN" b="1"/>
+              <a:rPr lang="vi-VN" b="1" dirty="0"/>
               <a:t>Kịch bản </a:t>
             </a:r>
             <a:r>
-              <a:rPr lang="vi-VN" b="1">
+              <a:rPr lang="vi-VN" b="1" dirty="0" err="1">
                 <a:solidFill>
                   <a:schemeClr val="accent4">
                     <a:lumMod val="75000"/>
@@ -9580,31 +9746,68 @@
               <a:t>multi-turn</a:t>
             </a:r>
             <a:r>
-              <a:rPr lang="vi-VN"/>
+              <a:rPr lang="vi-VN" dirty="0"/>
               <a:t>: </a:t>
             </a:r>
           </a:p>
           <a:p>
             <a:pPr lvl="1"/>
             <a:r>
-              <a:rPr lang="vi-VN"/>
-              <a:t>Mỗi phiên gồm tối đa 15 lượt prompt</a:t>
-            </a:r>
+              <a:rPr lang="vi-VN" dirty="0"/>
+              <a:t>Mỗi phiên gồm tối đa 1</a:t>
+            </a:r>
+            <a:r>
+              <a:rPr lang="en-US" dirty="0"/>
+              <a:t>0</a:t>
+            </a:r>
+            <a:r>
+              <a:rPr lang="vi-VN" dirty="0"/>
+              <a:t> lượt </a:t>
+            </a:r>
+            <a:r>
+              <a:rPr lang="vi-VN" dirty="0" err="1"/>
+              <a:t>prompt</a:t>
+            </a:r>
+            <a:endParaRPr lang="vi-VN" dirty="0"/>
           </a:p>
           <a:p>
             <a:pPr lvl="1"/>
             <a:r>
-              <a:rPr lang="vi-VN"/>
-              <a:t>Đánh giá được ghi lại ở mốc 5, 10 và 15 lượt.</a:t>
-            </a:r>
-          </a:p>
-          <a:p>
-            <a:r>
-              <a:rPr lang="vi-VN" b="1"/>
+              <a:rPr lang="vi-VN" dirty="0"/>
+              <a:t>Đánh giá được ghi lại ở mốc </a:t>
+            </a:r>
+            <a:r>
+              <a:rPr lang="en-US" dirty="0"/>
+              <a:t>2</a:t>
+            </a:r>
+            <a:r>
+              <a:rPr lang="vi-VN" dirty="0"/>
+              <a:t>, </a:t>
+            </a:r>
+            <a:r>
+              <a:rPr lang="en-US" dirty="0"/>
+              <a:t>5</a:t>
+            </a:r>
+            <a:r>
+              <a:rPr lang="vi-VN" dirty="0"/>
+              <a:t> và 1</a:t>
+            </a:r>
+            <a:r>
+              <a:rPr lang="en-US" dirty="0"/>
+              <a:t>0</a:t>
+            </a:r>
+            <a:r>
+              <a:rPr lang="vi-VN" dirty="0"/>
+              <a:t> lượt.</a:t>
+            </a:r>
+          </a:p>
+          <a:p>
+            <a:r>
+              <a:rPr lang="vi-VN" b="1" dirty="0"/>
               <a:t>Kịch bản </a:t>
             </a:r>
             <a:r>
-              <a:rPr lang="vi-VN" b="1">
+              <a:rPr lang="vi-VN" b="1" dirty="0" err="1">
                 <a:solidFill>
                   <a:schemeClr val="accent2">
                     <a:lumMod val="75000"/>
@@ -9614,39 +9817,47 @@
               <a:t>one-shot</a:t>
             </a:r>
             <a:r>
-              <a:rPr lang="vi-VN"/>
+              <a:rPr lang="vi-VN" dirty="0"/>
               <a:t>:</a:t>
             </a:r>
           </a:p>
           <a:p>
             <a:pPr lvl="1"/>
             <a:r>
-              <a:rPr lang="vi-VN"/>
-              <a:t>Mỗi truy vấn độc lập được đưa vào chatbot một lần</a:t>
+              <a:rPr lang="vi-VN" dirty="0"/>
+              <a:t>Mỗi truy vấn độc lập được đưa vào </a:t>
+            </a:r>
+            <a:r>
+              <a:rPr lang="vi-VN" dirty="0" err="1"/>
+              <a:t>chatbot</a:t>
+            </a:r>
+            <a:r>
+              <a:rPr lang="vi-VN" dirty="0"/>
+              <a:t> một lần</a:t>
             </a:r>
           </a:p>
           <a:p>
             <a:pPr lvl="1"/>
             <a:r>
-              <a:rPr lang="vi-VN"/>
+              <a:rPr lang="vi-VN" dirty="0"/>
               <a:t>Lặp lại 100 truy vấn để đánh giá tính ổn định và chính xác từ lượt đầu.</a:t>
             </a:r>
           </a:p>
           <a:p>
             <a:r>
-              <a:rPr lang="vi-VN" b="1"/>
+              <a:rPr lang="vi-VN" b="1" dirty="0"/>
               <a:t>Người đánh giá</a:t>
             </a:r>
             <a:r>
-              <a:rPr lang="vi-VN"/>
+              <a:rPr lang="vi-VN" dirty="0"/>
               <a:t>: các đánh giá viên là người thật (</a:t>
             </a:r>
             <a:r>
-              <a:rPr lang="vi-VN" i="1"/>
+              <a:rPr lang="vi-VN" i="1" dirty="0"/>
               <a:t>nhóm kiểm thử nội bộ</a:t>
             </a:r>
             <a:r>
-              <a:rPr lang="vi-VN"/>
+              <a:rPr lang="vi-VN" dirty="0"/>
               <a:t>), thực hiện hội thoại và chấm điểm theo cảm nhận cá nhân</a:t>
             </a:r>
           </a:p>
@@ -10603,8 +10814,8 @@
           </a:p>
         </p:txBody>
       </p:sp>
-      <mc:AlternateContent xmlns:mc="http://schemas.openxmlformats.org/markup-compatibility/2006" xmlns:a14="http://schemas.microsoft.com/office/drawing/2010/main">
-        <mc:Choice Requires="a14">
+      <mc:AlternateContent xmlns:mc="http://schemas.openxmlformats.org/markup-compatibility/2006">
+        <mc:Choice xmlns:a14="http://schemas.microsoft.com/office/drawing/2010/main" Requires="a14">
           <p:sp>
             <p:nvSpPr>
               <p:cNvPr id="13" name="Content Placeholder 12">
@@ -10627,68 +10838,68 @@
               <a:lstStyle/>
               <a:p>
                 <a:r>
-                  <a:rPr lang="vi-VN" b="1"/>
+                  <a:rPr lang="vi-VN" b="1" dirty="0"/>
                   <a:t>Độ thiện cảm tích lũy (</a:t>
                 </a:r>
                 <a:r>
-                  <a:rPr lang="vi-VN" b="1" i="1"/>
+                  <a:rPr lang="vi-VN" b="1" i="1" dirty="0" err="1"/>
                   <a:t>Cumulative</a:t>
                 </a:r>
                 <a:r>
-                  <a:rPr lang="vi-VN" i="1"/>
+                  <a:rPr lang="vi-VN" i="1" dirty="0"/>
                   <a:t> </a:t>
                 </a:r>
                 <a:r>
-                  <a:rPr lang="vi-VN" b="1" i="1"/>
+                  <a:rPr lang="vi-VN" b="1" i="1" dirty="0" err="1"/>
                   <a:t>likability</a:t>
                 </a:r>
                 <a:r>
-                  <a:rPr lang="vi-VN" b="1"/>
+                  <a:rPr lang="vi-VN" b="1" dirty="0"/>
                   <a:t>)</a:t>
                 </a:r>
                 <a:r>
-                  <a:rPr lang="vi-VN"/>
+                  <a:rPr lang="vi-VN" dirty="0"/>
                   <a:t>:</a:t>
                 </a:r>
               </a:p>
               <a:p>
                 <a:pPr lvl="1"/>
                 <a:r>
-                  <a:rPr lang="vi-VN" b="1"/>
+                  <a:rPr lang="vi-VN" b="1" dirty="0"/>
                   <a:t>Thang điểm</a:t>
                 </a:r>
                 <a:r>
-                  <a:rPr lang="vi-VN"/>
+                  <a:rPr lang="vi-VN" dirty="0"/>
                   <a:t>: 1-10 (</a:t>
                 </a:r>
                 <a:r>
-                  <a:rPr lang="vi-VN" i="1"/>
+                  <a:rPr lang="vi-VN" i="1" dirty="0"/>
                   <a:t>rất khó chịu - rất thân thiện</a:t>
                 </a:r>
                 <a:r>
-                  <a:rPr lang="vi-VN"/>
+                  <a:rPr lang="vi-VN" dirty="0"/>
                   <a:t>)</a:t>
                 </a:r>
               </a:p>
               <a:p>
                 <a:pPr lvl="1"/>
                 <a:r>
-                  <a:rPr lang="vi-VN" b="1"/>
+                  <a:rPr lang="vi-VN" b="1" dirty="0"/>
                   <a:t>Tiêu chí</a:t>
                 </a:r>
                 <a:r>
-                  <a:rPr lang="vi-VN"/>
+                  <a:rPr lang="vi-VN" dirty="0"/>
                   <a:t>: Dựa trên sự tự nhiên của văn phong, lịch sự và thân thiện, rõ ràng trong cách trình bày, tốc độ phản hồi cảm nhận.</a:t>
                 </a:r>
               </a:p>
               <a:p>
                 <a:pPr lvl="1"/>
                 <a:r>
-                  <a:rPr lang="vi-VN" b="1"/>
+                  <a:rPr lang="vi-VN" b="1" dirty="0"/>
                   <a:t>Công thức</a:t>
                 </a:r>
                 <a:r>
-                  <a:rPr lang="vi-VN"/>
+                  <a:rPr lang="vi-VN" dirty="0"/>
                   <a:t>: </a:t>
                 </a:r>
                 <a14:m>
@@ -10748,7 +10959,7 @@
                     </m:f>
                   </m:oMath>
                 </a14:m>
-                <a:endParaRPr lang="vi-VN"/>
+                <a:endParaRPr lang="vi-VN" dirty="0"/>
               </a:p>
               <a:p>
                 <a:pPr lvl="2"/>
@@ -10788,7 +10999,7 @@
                   </m:oMath>
                 </a14:m>
                 <a:r>
-                  <a:rPr lang="vi-VN"/>
+                  <a:rPr lang="vi-VN" dirty="0"/>
                   <a:t> là giá trị trung bình ở mốc </a:t>
                 </a:r>
                 <a14:m>
@@ -10805,7 +11016,7 @@
                   </m:oMath>
                 </a14:m>
                 <a:r>
-                  <a:rPr lang="vi-VN"/>
+                  <a:rPr lang="vi-VN" dirty="0"/>
                   <a:t> lượt (</a:t>
                 </a:r>
                 <a14:m>
@@ -10840,7 +11051,21 @@
                       </m:dPr>
                       <m:e>
                         <m:r>
-                          <a:rPr lang="vi-VN" i="1">
+                          <a:rPr lang="en-US" b="0" i="1" smtClean="0">
+                            <a:latin typeface="Cambria Math" panose="02040503050406030204" pitchFamily="18" charset="0"/>
+                            <a:ea typeface="Cambria Math" panose="02040503050406030204" pitchFamily="18" charset="0"/>
+                          </a:rPr>
+                          <m:t>2</m:t>
+                        </m:r>
+                        <m:r>
+                          <a:rPr lang="vi-VN" b="0" i="1" smtClean="0">
+                            <a:latin typeface="Cambria Math" panose="02040503050406030204" pitchFamily="18" charset="0"/>
+                            <a:ea typeface="Cambria Math" panose="02040503050406030204" pitchFamily="18" charset="0"/>
+                          </a:rPr>
+                          <m:t>, </m:t>
+                        </m:r>
+                        <m:r>
+                          <a:rPr lang="en-US" b="0" i="1" smtClean="0">
                             <a:latin typeface="Cambria Math" panose="02040503050406030204" pitchFamily="18" charset="0"/>
                             <a:ea typeface="Cambria Math" panose="02040503050406030204" pitchFamily="18" charset="0"/>
                           </a:rPr>
@@ -10858,28 +11083,21 @@
                             <a:latin typeface="Cambria Math" panose="02040503050406030204" pitchFamily="18" charset="0"/>
                             <a:ea typeface="Cambria Math" panose="02040503050406030204" pitchFamily="18" charset="0"/>
                           </a:rPr>
-                          <m:t>10</m:t>
+                          <m:t>1</m:t>
                         </m:r>
                         <m:r>
-                          <a:rPr lang="vi-VN" b="0" i="1" smtClean="0">
+                          <a:rPr lang="en-US" b="0" i="1" smtClean="0">
                             <a:latin typeface="Cambria Math" panose="02040503050406030204" pitchFamily="18" charset="0"/>
                             <a:ea typeface="Cambria Math" panose="02040503050406030204" pitchFamily="18" charset="0"/>
                           </a:rPr>
-                          <m:t>, </m:t>
-                        </m:r>
-                        <m:r>
-                          <a:rPr lang="vi-VN" i="1">
-                            <a:latin typeface="Cambria Math" panose="02040503050406030204" pitchFamily="18" charset="0"/>
-                            <a:ea typeface="Cambria Math" panose="02040503050406030204" pitchFamily="18" charset="0"/>
-                          </a:rPr>
-                          <m:t>15</m:t>
+                          <m:t>0</m:t>
                         </m:r>
                       </m:e>
                     </m:d>
                   </m:oMath>
                 </a14:m>
                 <a:r>
-                  <a:rPr lang="vi-VN"/>
+                  <a:rPr lang="vi-VN" dirty="0"/>
                   <a:t>)</a:t>
                 </a:r>
               </a:p>
@@ -10899,14 +11117,14 @@
                   </m:oMath>
                 </a14:m>
                 <a:r>
-                  <a:rPr lang="vi-VN"/>
+                  <a:rPr lang="vi-VN" dirty="0"/>
                   <a:t> là số phiên</a:t>
                 </a:r>
               </a:p>
             </p:txBody>
           </p:sp>
         </mc:Choice>
-        <mc:Fallback xmlns="">
+        <mc:Fallback>
           <p:sp>
             <p:nvSpPr>
               <p:cNvPr id="13" name="Content Placeholder 12">
@@ -10936,7 +11154,7 @@
               <a:lstStyle/>
               <a:p>
                 <a:r>
-                  <a:rPr lang="vi-VN">
+                  <a:rPr lang="en-US">
                     <a:noFill/>
                   </a:rPr>
                   <a:t> </a:t>
@@ -12336,8 +12554,8 @@
           </a:p>
         </p:txBody>
       </p:sp>
-      <mc:AlternateContent xmlns:mc="http://schemas.openxmlformats.org/markup-compatibility/2006" xmlns:a14="http://schemas.microsoft.com/office/drawing/2010/main">
-        <mc:Choice Requires="a14">
+      <mc:AlternateContent xmlns:mc="http://schemas.openxmlformats.org/markup-compatibility/2006">
+        <mc:Choice xmlns:a14="http://schemas.microsoft.com/office/drawing/2010/main" Requires="a14">
           <p:sp>
             <p:nvSpPr>
               <p:cNvPr id="3" name="Content Placeholder 2">
@@ -12360,26 +12578,34 @@
               <a:lstStyle/>
               <a:p>
                 <a:r>
-                  <a:rPr lang="vi-VN" b="1"/>
+                  <a:rPr lang="vi-VN" b="1" dirty="0"/>
                   <a:t>Độ chính xác tích lũy (</a:t>
                 </a:r>
                 <a:r>
-                  <a:rPr lang="vi-VN" b="1" i="1"/>
-                  <a:t>Cumulative accuracy</a:t>
+                  <a:rPr lang="vi-VN" b="1" i="1" dirty="0" err="1"/>
+                  <a:t>Cumulative</a:t>
                 </a:r>
                 <a:r>
-                  <a:rPr lang="vi-VN" b="1"/>
+                  <a:rPr lang="vi-VN" b="1" i="1" dirty="0"/>
+                  <a:t> </a:t>
+                </a:r>
+                <a:r>
+                  <a:rPr lang="vi-VN" b="1" i="1" dirty="0" err="1"/>
+                  <a:t>accuracy</a:t>
+                </a:r>
+                <a:r>
+                  <a:rPr lang="vi-VN" b="1" dirty="0"/>
                   <a:t>)</a:t>
                 </a:r>
                 <a:r>
-                  <a:rPr lang="vi-VN"/>
+                  <a:rPr lang="vi-VN" dirty="0"/>
                   <a:t>:</a:t>
                 </a:r>
               </a:p>
               <a:p>
                 <a:pPr lvl="1"/>
                 <a:r>
-                  <a:rPr lang="vi-VN"/>
+                  <a:rPr lang="vi-VN" dirty="0"/>
                   <a:t>Với mỗi phiên </a:t>
                 </a:r>
                 <a14:m>
@@ -12396,7 +12622,7 @@
                   </m:oMath>
                 </a14:m>
                 <a:r>
-                  <a:rPr lang="vi-VN"/>
+                  <a:rPr lang="vi-VN" dirty="0"/>
                   <a:t> tại mốc </a:t>
                 </a:r>
                 <a14:m>
@@ -12413,7 +12639,7 @@
                   </m:oMath>
                 </a14:m>
                 <a:r>
-                  <a:rPr lang="vi-VN"/>
+                  <a:rPr lang="vi-VN" dirty="0"/>
                   <a:t> lượt, định nghĩa:</a:t>
                 </a:r>
               </a:p>
@@ -12720,10 +12946,10 @@
                             <m:t>1</m:t>
                           </m:r>
                           <m:r>
-                            <a:rPr lang="vi-VN" b="0" i="1" smtClean="0">
+                            <a:rPr lang="en-US" b="0" i="1" smtClean="0">
                               <a:latin typeface="Cambria Math" panose="02040503050406030204" pitchFamily="18" charset="0"/>
                             </a:rPr>
-                            <m:t>, </m:t>
+                            <m:t>…</m:t>
                           </m:r>
                           <m:r>
                             <m:rPr>
@@ -12750,12 +12976,12 @@
                     </m:oMath>
                   </m:oMathPara>
                 </a14:m>
-                <a:endParaRPr lang="vi-VN"/>
+                <a:endParaRPr lang="vi-VN" dirty="0"/>
               </a:p>
               <a:p>
                 <a:pPr lvl="1"/>
                 <a:r>
-                  <a:rPr lang="vi-VN"/>
+                  <a:rPr lang="vi-VN" dirty="0"/>
                   <a:t>Qua S phiên, độ chính xác tích lũy tại mốc n là:</a:t>
                 </a:r>
               </a:p>
@@ -12948,42 +13174,42 @@
                     </m:oMath>
                   </m:oMathPara>
                 </a14:m>
-                <a:endParaRPr lang="vi-VN"/>
+                <a:endParaRPr lang="vi-VN" dirty="0"/>
               </a:p>
               <a:p>
                 <a:pPr lvl="1"/>
                 <a:r>
-                  <a:rPr lang="vi-VN" b="1"/>
+                  <a:rPr lang="vi-VN" b="1" dirty="0"/>
                   <a:t>“Câu trả lời đúng” </a:t>
                 </a:r>
                 <a:r>
-                  <a:rPr lang="vi-VN"/>
+                  <a:rPr lang="vi-VN" dirty="0"/>
                   <a:t>được hiểu là: nội dung trả lời khớp (</a:t>
                 </a:r>
                 <a:r>
-                  <a:rPr lang="vi-VN" i="1"/>
+                  <a:rPr lang="vi-VN" i="1" dirty="0"/>
                   <a:t>hoặc bao gồm</a:t>
                 </a:r>
                 <a:r>
-                  <a:rPr lang="vi-VN"/>
+                  <a:rPr lang="vi-VN" dirty="0"/>
                   <a:t>) thông tin xác thực có trong cơ sở dữ liệu.</a:t>
                 </a:r>
               </a:p>
               <a:p>
                 <a:pPr lvl="1"/>
                 <a:r>
-                  <a:rPr lang="vi-VN" b="1"/>
+                  <a:rPr lang="vi-VN" b="1" dirty="0"/>
                   <a:t>“Câu trả lời sai”</a:t>
                 </a:r>
                 <a:r>
-                  <a:rPr lang="vi-VN"/>
+                  <a:rPr lang="vi-VN" dirty="0"/>
                   <a:t> được hiểu là: nội dung trả lời không có trong cơ sở dữ liệu, sai trọng tâm yêu cầu hoặc bịa đặt thông tin</a:t>
                 </a:r>
               </a:p>
             </p:txBody>
           </p:sp>
         </mc:Choice>
-        <mc:Fallback xmlns="">
+        <mc:Fallback>
           <p:sp>
             <p:nvSpPr>
               <p:cNvPr id="3" name="Content Placeholder 2">
@@ -13013,7 +13239,7 @@
               <a:lstStyle/>
               <a:p>
                 <a:r>
-                  <a:rPr lang="vi-VN">
+                  <a:rPr lang="en-US">
                     <a:noFill/>
                   </a:rPr>
                   <a:t> </a:t>
@@ -15759,8 +15985,8 @@
           </a:p>
         </p:txBody>
       </p:sp>
-      <mc:AlternateContent xmlns:mc="http://schemas.openxmlformats.org/markup-compatibility/2006" xmlns:a14="http://schemas.microsoft.com/office/drawing/2010/main">
-        <mc:Choice Requires="a14">
+      <mc:AlternateContent xmlns:mc="http://schemas.openxmlformats.org/markup-compatibility/2006">
+        <mc:Choice xmlns:a14="http://schemas.microsoft.com/office/drawing/2010/main" Requires="a14">
           <p:sp>
             <p:nvSpPr>
               <p:cNvPr id="3" name="Content Placeholder 2">
@@ -15783,18 +16009,22 @@
               <a:lstStyle/>
               <a:p>
                 <a:r>
-                  <a:rPr lang="vi-VN" b="1"/>
-                  <a:t>Độ chính xác one-shot</a:t>
+                  <a:rPr lang="vi-VN" b="1" dirty="0"/>
+                  <a:t>Độ chính xác </a:t>
                 </a:r>
                 <a:r>
-                  <a:rPr lang="vi-VN"/>
+                  <a:rPr lang="vi-VN" b="1" dirty="0" err="1"/>
+                  <a:t>one-shot</a:t>
+                </a:r>
+                <a:r>
+                  <a:rPr lang="vi-VN" dirty="0"/>
                   <a:t>:</a:t>
                 </a:r>
               </a:p>
               <a:p>
                 <a:pPr lvl="1"/>
                 <a:r>
-                  <a:rPr lang="vi-VN"/>
+                  <a:rPr lang="vi-VN" dirty="0"/>
                   <a:t>Với </a:t>
                 </a:r>
                 <a14:m>
@@ -15823,190 +16053,168 @@
                   </m:oMath>
                 </a14:m>
                 <a:r>
-                  <a:rPr lang="vi-VN"/>
-                  <a:t> truy vấn độc lập, mỗi truy vấn có </a:t>
+                  <a:rPr lang="vi-VN" dirty="0"/>
+                  <a:t> truy vấn độc lập, </a:t>
                 </a:r>
-                <a14:m>
-                  <m:oMath xmlns:m="http://schemas.openxmlformats.org/officeDocument/2006/math">
-                    <m:r>
-                      <m:rPr>
-                        <m:sty m:val="p"/>
-                      </m:rPr>
-                      <a:rPr lang="vi-VN">
-                        <a:latin typeface="Cambria Math" panose="02040503050406030204" pitchFamily="18" charset="0"/>
-                      </a:rPr>
-                      <m:t>i</m:t>
-                    </m:r>
-                  </m:oMath>
-                </a14:m>
                 <a:r>
-                  <a:rPr lang="vi-VN"/>
-                  <a:t> nhãn</a:t>
+                  <a:rPr lang="en-US" dirty="0" err="1"/>
+                  <a:t>hệ</a:t>
                 </a:r>
-                <a14:m>
-                  <m:oMath xmlns:m="http://schemas.openxmlformats.org/officeDocument/2006/math">
-                    <m:r>
-                      <a:rPr lang="vi-VN" b="0" i="0" smtClean="0">
-                        <a:latin typeface="Cambria Math" panose="02040503050406030204" pitchFamily="18" charset="0"/>
-                      </a:rPr>
-                      <m:t> </m:t>
-                    </m:r>
-                    <m:sSub>
-                      <m:sSubPr>
-                        <m:ctrlPr>
-                          <a:rPr lang="vi-VN" i="1" smtClean="0">
-                            <a:latin typeface="Cambria Math" panose="02040503050406030204" pitchFamily="18" charset="0"/>
-                          </a:rPr>
-                        </m:ctrlPr>
-                      </m:sSubPr>
-                      <m:e>
-                        <m:r>
-                          <m:rPr>
-                            <m:sty m:val="p"/>
-                          </m:rPr>
-                          <a:rPr lang="vi-VN" i="1">
-                            <a:latin typeface="Cambria Math" panose="02040503050406030204" pitchFamily="18" charset="0"/>
-                          </a:rPr>
-                          <m:t>c</m:t>
-                        </m:r>
-                      </m:e>
-                      <m:sub>
-                        <m:r>
-                          <m:rPr>
-                            <m:sty m:val="p"/>
-                          </m:rPr>
-                          <a:rPr lang="vi-VN" i="1">
-                            <a:latin typeface="Cambria Math" panose="02040503050406030204" pitchFamily="18" charset="0"/>
-                          </a:rPr>
-                          <m:t>i</m:t>
-                        </m:r>
-                      </m:sub>
-                    </m:sSub>
-                    <m:r>
-                      <a:rPr lang="vi-VN" i="1" smtClean="0">
-                        <a:latin typeface="Cambria Math" panose="02040503050406030204" pitchFamily="18" charset="0"/>
-                        <a:ea typeface="Cambria Math" panose="02040503050406030204" pitchFamily="18" charset="0"/>
-                      </a:rPr>
-                      <m:t>𝜖</m:t>
-                    </m:r>
-                    <m:d>
-                      <m:dPr>
-                        <m:begChr m:val="{"/>
-                        <m:endChr m:val="}"/>
-                        <m:ctrlPr>
-                          <a:rPr lang="vi-VN" i="1" smtClean="0">
-                            <a:latin typeface="Cambria Math" panose="02040503050406030204" pitchFamily="18" charset="0"/>
-                            <a:ea typeface="Cambria Math" panose="02040503050406030204" pitchFamily="18" charset="0"/>
-                          </a:rPr>
-                        </m:ctrlPr>
-                      </m:dPr>
-                      <m:e>
-                        <m:r>
-                          <a:rPr lang="vi-VN" i="1">
-                            <a:latin typeface="Cambria Math" panose="02040503050406030204" pitchFamily="18" charset="0"/>
-                            <a:ea typeface="Cambria Math" panose="02040503050406030204" pitchFamily="18" charset="0"/>
-                          </a:rPr>
-                          <m:t>0</m:t>
-                        </m:r>
-                        <m:r>
-                          <a:rPr lang="vi-VN" b="0" i="1" smtClean="0">
-                            <a:latin typeface="Cambria Math" panose="02040503050406030204" pitchFamily="18" charset="0"/>
-                            <a:ea typeface="Cambria Math" panose="02040503050406030204" pitchFamily="18" charset="0"/>
-                          </a:rPr>
-                          <m:t>, </m:t>
-                        </m:r>
-                        <m:r>
-                          <a:rPr lang="vi-VN" i="1">
-                            <a:latin typeface="Cambria Math" panose="02040503050406030204" pitchFamily="18" charset="0"/>
-                            <a:ea typeface="Cambria Math" panose="02040503050406030204" pitchFamily="18" charset="0"/>
-                          </a:rPr>
-                          <m:t>1</m:t>
-                        </m:r>
-                      </m:e>
-                    </m:d>
-                    <m:d>
-                      <m:dPr>
-                        <m:ctrlPr>
-                          <a:rPr lang="vi-VN" i="1" smtClean="0">
-                            <a:latin typeface="Cambria Math" panose="02040503050406030204" pitchFamily="18" charset="0"/>
-                            <a:ea typeface="Cambria Math" panose="02040503050406030204" pitchFamily="18" charset="0"/>
-                          </a:rPr>
-                        </m:ctrlPr>
-                      </m:dPr>
-                      <m:e>
-                        <m:r>
-                          <a:rPr lang="vi-VN" i="1">
-                            <a:latin typeface="Cambria Math" panose="02040503050406030204" pitchFamily="18" charset="0"/>
-                            <a:ea typeface="Cambria Math" panose="02040503050406030204" pitchFamily="18" charset="0"/>
-                          </a:rPr>
-                          <m:t>0</m:t>
-                        </m:r>
-                        <m:r>
-                          <a:rPr lang="vi-VN" b="0" i="1" smtClean="0">
-                            <a:latin typeface="Cambria Math" panose="02040503050406030204" pitchFamily="18" charset="0"/>
-                            <a:ea typeface="Cambria Math" panose="02040503050406030204" pitchFamily="18" charset="0"/>
-                          </a:rPr>
-                          <m:t>=</m:t>
-                        </m:r>
-                        <m:r>
-                          <m:rPr>
-                            <m:sty m:val="p"/>
-                          </m:rPr>
-                          <a:rPr lang="vi-VN" i="1">
-                            <a:latin typeface="Cambria Math" panose="02040503050406030204" pitchFamily="18" charset="0"/>
-                            <a:ea typeface="Cambria Math" panose="02040503050406030204" pitchFamily="18" charset="0"/>
-                          </a:rPr>
-                          <m:t>sai</m:t>
-                        </m:r>
-                        <m:r>
-                          <a:rPr lang="vi-VN" b="0" i="1" smtClean="0">
-                            <a:latin typeface="Cambria Math" panose="02040503050406030204" pitchFamily="18" charset="0"/>
-                            <a:ea typeface="Cambria Math" panose="02040503050406030204" pitchFamily="18" charset="0"/>
-                          </a:rPr>
-                          <m:t>, </m:t>
-                        </m:r>
-                        <m:r>
-                          <a:rPr lang="vi-VN" i="1">
-                            <a:latin typeface="Cambria Math" panose="02040503050406030204" pitchFamily="18" charset="0"/>
-                            <a:ea typeface="Cambria Math" panose="02040503050406030204" pitchFamily="18" charset="0"/>
-                          </a:rPr>
-                          <m:t>1</m:t>
-                        </m:r>
-                        <m:r>
-                          <a:rPr lang="vi-VN" b="0" i="1" smtClean="0">
-                            <a:latin typeface="Cambria Math" panose="02040503050406030204" pitchFamily="18" charset="0"/>
-                            <a:ea typeface="Cambria Math" panose="02040503050406030204" pitchFamily="18" charset="0"/>
-                          </a:rPr>
-                          <m:t>=</m:t>
-                        </m:r>
-                        <m:r>
-                          <a:rPr lang="vi-VN" i="1">
-                            <a:latin typeface="Cambria Math" panose="02040503050406030204" pitchFamily="18" charset="0"/>
-                            <a:ea typeface="Cambria Math" panose="02040503050406030204" pitchFamily="18" charset="0"/>
-                          </a:rPr>
-                          <m:t>đú</m:t>
-                        </m:r>
-                        <m:r>
-                          <m:rPr>
-                            <m:sty m:val="p"/>
-                          </m:rPr>
-                          <a:rPr lang="vi-VN" i="1">
-                            <a:latin typeface="Cambria Math" panose="02040503050406030204" pitchFamily="18" charset="0"/>
-                            <a:ea typeface="Cambria Math" panose="02040503050406030204" pitchFamily="18" charset="0"/>
-                          </a:rPr>
-                          <m:t>ng</m:t>
-                        </m:r>
-                      </m:e>
-                    </m:d>
-                  </m:oMath>
-                </a14:m>
-                <a:endParaRPr lang="vi-VN"/>
+                <a:r>
+                  <a:rPr lang="en-US" dirty="0"/>
+                  <a:t> </a:t>
+                </a:r>
+                <a:r>
+                  <a:rPr lang="en-US" dirty="0" err="1"/>
+                  <a:t>thống</a:t>
+                </a:r>
+                <a:r>
+                  <a:rPr lang="en-US" dirty="0"/>
+                  <a:t> </a:t>
+                </a:r>
+                <a:r>
+                  <a:rPr lang="en-US" dirty="0" err="1"/>
+                  <a:t>trả</a:t>
+                </a:r>
+                <a:r>
+                  <a:rPr lang="en-US" dirty="0"/>
+                  <a:t> </a:t>
+                </a:r>
+                <a:r>
+                  <a:rPr lang="en-US" dirty="0" err="1"/>
+                  <a:t>lời</a:t>
+                </a:r>
+                <a:r>
+                  <a:rPr lang="en-US" dirty="0"/>
+                  <a:t> 1 </a:t>
+                </a:r>
+                <a:r>
+                  <a:rPr lang="en-US" dirty="0" err="1"/>
+                  <a:t>lần</a:t>
+                </a:r>
+                <a:r>
+                  <a:rPr lang="en-US" dirty="0"/>
+                  <a:t> </a:t>
+                </a:r>
+                <a:r>
+                  <a:rPr lang="en-US" dirty="0" err="1"/>
+                  <a:t>cho</a:t>
+                </a:r>
+                <a:r>
+                  <a:rPr lang="en-US" dirty="0"/>
+                  <a:t> </a:t>
+                </a:r>
+                <a:r>
+                  <a:rPr lang="en-US" dirty="0" err="1"/>
+                  <a:t>mỗi</a:t>
+                </a:r>
+                <a:r>
+                  <a:rPr lang="en-US" dirty="0"/>
+                  <a:t> </a:t>
+                </a:r>
+                <a:r>
+                  <a:rPr lang="en-US" dirty="0" err="1"/>
+                  <a:t>truy</a:t>
+                </a:r>
+                <a:r>
+                  <a:rPr lang="en-US" dirty="0"/>
+                  <a:t> </a:t>
+                </a:r>
+                <a:r>
+                  <a:rPr lang="en-US" dirty="0" err="1"/>
+                  <a:t>vấn</a:t>
+                </a:r>
+                <a:r>
+                  <a:rPr lang="en-US" dirty="0"/>
+                  <a:t>, </a:t>
+                </a:r>
+                <a:r>
+                  <a:rPr lang="en-US" dirty="0" err="1"/>
+                  <a:t>đánh</a:t>
+                </a:r>
+                <a:r>
+                  <a:rPr lang="en-US" dirty="0"/>
+                  <a:t> </a:t>
+                </a:r>
+                <a:r>
+                  <a:rPr lang="en-US" dirty="0" err="1"/>
+                  <a:t>giá</a:t>
+                </a:r>
+                <a:r>
+                  <a:rPr lang="en-US" dirty="0"/>
+                  <a:t> </a:t>
+                </a:r>
+                <a:r>
+                  <a:rPr lang="en-US" dirty="0" err="1"/>
+                  <a:t>viên</a:t>
+                </a:r>
+                <a:r>
+                  <a:rPr lang="en-US" dirty="0"/>
+                  <a:t> </a:t>
+                </a:r>
+                <a:r>
+                  <a:rPr lang="en-US" dirty="0" err="1"/>
+                  <a:t>gán</a:t>
+                </a:r>
+                <a:r>
+                  <a:rPr lang="en-US" dirty="0"/>
+                  <a:t> </a:t>
+                </a:r>
+                <a:r>
+                  <a:rPr lang="en-US" dirty="0" err="1"/>
+                  <a:t>điểm</a:t>
+                </a:r>
+                <a:r>
+                  <a:rPr lang="en-US" dirty="0"/>
+                  <a:t> </a:t>
+                </a:r>
+                <a:r>
+                  <a:rPr lang="en-US" dirty="0" err="1"/>
+                  <a:t>số</a:t>
+                </a:r>
+                <a:r>
+                  <a:rPr lang="en-US" dirty="0"/>
+                  <a:t> từ 1 đến 10 </a:t>
+                </a:r>
+                <a:r>
+                  <a:rPr lang="en-US" dirty="0" err="1"/>
+                  <a:t>cho</a:t>
+                </a:r>
+                <a:r>
+                  <a:rPr lang="en-US" dirty="0"/>
+                  <a:t> </a:t>
+                </a:r>
+                <a:r>
+                  <a:rPr lang="en-US" dirty="0" err="1"/>
+                  <a:t>từng</a:t>
+                </a:r>
+                <a:r>
+                  <a:rPr lang="en-US" dirty="0"/>
+                  <a:t> </a:t>
+                </a:r>
+                <a:r>
+                  <a:rPr lang="en-US" dirty="0" err="1"/>
+                  <a:t>phản</a:t>
+                </a:r>
+                <a:r>
+                  <a:rPr lang="en-US" dirty="0"/>
+                  <a:t> </a:t>
+                </a:r>
+                <a:r>
+                  <a:rPr lang="en-US" dirty="0" err="1"/>
+                  <a:t>hồi</a:t>
+                </a:r>
+                <a:r>
+                  <a:rPr lang="en-US" dirty="0"/>
+                  <a:t>.</a:t>
+                </a:r>
+                <a:endParaRPr lang="vi-VN" dirty="0"/>
               </a:p>
               <a:p>
                 <a:pPr marL="457200" lvl="1" indent="0">
                   <a:buNone/>
                 </a:pPr>
-                <a:endParaRPr lang="vi-VN"/>
+                <a:endParaRPr lang="vi-VN" dirty="0"/>
               </a:p>
               <a:p>
                 <a:pPr marL="457200" lvl="1" indent="0">
@@ -16143,12 +16351,12 @@
                     </m:oMath>
                   </m:oMathPara>
                 </a14:m>
-                <a:endParaRPr lang="vi-VN"/>
+                <a:endParaRPr lang="vi-VN" dirty="0"/>
               </a:p>
             </p:txBody>
           </p:sp>
         </mc:Choice>
-        <mc:Fallback xmlns="">
+        <mc:Fallback>
           <p:sp>
             <p:nvSpPr>
               <p:cNvPr id="3" name="Content Placeholder 2">
@@ -16169,7 +16377,7 @@
               <a:blipFill>
                 <a:blip r:embed="rId2"/>
                 <a:stretch>
-                  <a:fillRect l="-1043" t="-3672"/>
+                  <a:fillRect l="-1043" t="-2203"/>
                 </a:stretch>
               </a:blipFill>
             </p:spPr>
@@ -16178,7 +16386,7 @@
               <a:lstStyle/>
               <a:p>
                 <a:r>
-                  <a:rPr lang="vi-VN">
+                  <a:rPr lang="en-US">
                     <a:noFill/>
                   </a:rPr>
                   <a:t> </a:t>
@@ -17033,40 +17241,671 @@
           </a:p>
         </p:txBody>
       </p:sp>
-      <p:sp>
-        <p:nvSpPr>
-          <p:cNvPr id="3" name="Content Placeholder 2">
+      <p:graphicFrame>
+        <p:nvGraphicFramePr>
+          <p:cNvPr id="6" name="Chỗ dành sẵn cho Nội dung 5">
             <a:extLst>
               <a:ext uri="{FF2B5EF4-FFF2-40B4-BE49-F238E27FC236}">
-                <a16:creationId xmlns:a16="http://schemas.microsoft.com/office/drawing/2014/main" id="{5FCE16F7-07DC-B605-2392-0A7914E83DAC}"/>
+                <a16:creationId xmlns:a16="http://schemas.microsoft.com/office/drawing/2014/main" id="{AC1759D8-3A99-6469-C2F1-B52F74AC9564}"/>
               </a:ext>
             </a:extLst>
           </p:cNvPr>
-          <p:cNvSpPr>
-            <a:spLocks noGrp="1"/>
-          </p:cNvSpPr>
+          <p:cNvGraphicFramePr>
+            <a:graphicFrameLocks noGrp="1"/>
+          </p:cNvGraphicFramePr>
           <p:nvPr>
             <p:ph idx="1"/>
+            <p:extLst>
+              <p:ext uri="{D42A27DB-BD31-4B8C-83A1-F6EECF244321}">
+                <p14:modId xmlns:p14="http://schemas.microsoft.com/office/powerpoint/2010/main" val="3057695870"/>
+              </p:ext>
+            </p:extLst>
           </p:nvPr>
-        </p:nvSpPr>
-        <p:spPr/>
-        <p:txBody>
-          <a:bodyPr/>
-          <a:lstStyle/>
-          <a:p>
-            <a:r>
-              <a:rPr lang="vi-VN"/>
-              <a:t>KẾT QUẢ</a:t>
-            </a:r>
-          </a:p>
-          <a:p>
-            <a:r>
-              <a:rPr lang="vi-VN"/>
-              <a:t>Kết luận</a:t>
-            </a:r>
-          </a:p>
-        </p:txBody>
-      </p:sp>
+        </p:nvGraphicFramePr>
+        <p:xfrm>
+          <a:off x="838200" y="1930866"/>
+          <a:ext cx="10515600" cy="1981200"/>
+        </p:xfrm>
+        <a:graphic>
+          <a:graphicData uri="http://schemas.openxmlformats.org/drawingml/2006/table">
+            <a:tbl>
+              <a:tblPr firstRow="1" bandRow="1">
+                <a:tableStyleId>{5C22544A-7EE6-4342-B048-85BDC9FD1C3A}</a:tableStyleId>
+              </a:tblPr>
+              <a:tblGrid>
+                <a:gridCol w="2103120">
+                  <a:extLst>
+                    <a:ext uri="{9D8B030D-6E8A-4147-A177-3AD203B41FA5}">
+                      <a16:colId xmlns:a16="http://schemas.microsoft.com/office/drawing/2014/main" val="974202303"/>
+                    </a:ext>
+                  </a:extLst>
+                </a:gridCol>
+                <a:gridCol w="2103120">
+                  <a:extLst>
+                    <a:ext uri="{9D8B030D-6E8A-4147-A177-3AD203B41FA5}">
+                      <a16:colId xmlns:a16="http://schemas.microsoft.com/office/drawing/2014/main" val="4041585590"/>
+                    </a:ext>
+                  </a:extLst>
+                </a:gridCol>
+                <a:gridCol w="2103120">
+                  <a:extLst>
+                    <a:ext uri="{9D8B030D-6E8A-4147-A177-3AD203B41FA5}">
+                      <a16:colId xmlns:a16="http://schemas.microsoft.com/office/drawing/2014/main" val="417388301"/>
+                    </a:ext>
+                  </a:extLst>
+                </a:gridCol>
+                <a:gridCol w="2103120">
+                  <a:extLst>
+                    <a:ext uri="{9D8B030D-6E8A-4147-A177-3AD203B41FA5}">
+                      <a16:colId xmlns:a16="http://schemas.microsoft.com/office/drawing/2014/main" val="1491150681"/>
+                    </a:ext>
+                  </a:extLst>
+                </a:gridCol>
+                <a:gridCol w="2103120">
+                  <a:extLst>
+                    <a:ext uri="{9D8B030D-6E8A-4147-A177-3AD203B41FA5}">
+                      <a16:colId xmlns:a16="http://schemas.microsoft.com/office/drawing/2014/main" val="1487681724"/>
+                    </a:ext>
+                  </a:extLst>
+                </a:gridCol>
+              </a:tblGrid>
+              <a:tr h="370840">
+                <a:tc rowSpan="2">
+                  <a:txBody>
+                    <a:bodyPr/>
+                    <a:lstStyle/>
+                    <a:p>
+                      <a:pPr algn="ctr"/>
+                      <a:r>
+                        <a:rPr lang="en-US" sz="2000" dirty="0" err="1">
+                          <a:latin typeface="Times New Roman" panose="02020603050405020304" pitchFamily="18" charset="0"/>
+                          <a:cs typeface="Times New Roman" panose="02020603050405020304" pitchFamily="18" charset="0"/>
+                        </a:rPr>
+                        <a:t>Mốc</a:t>
+                      </a:r>
+                      <a:endParaRPr lang="en-US" sz="2000" dirty="0">
+                        <a:latin typeface="Times New Roman" panose="02020603050405020304" pitchFamily="18" charset="0"/>
+                        <a:cs typeface="Times New Roman" panose="02020603050405020304" pitchFamily="18" charset="0"/>
+                      </a:endParaRPr>
+                    </a:p>
+                  </a:txBody>
+                  <a:tcPr/>
+                </a:tc>
+                <a:tc gridSpan="2">
+                  <a:txBody>
+                    <a:bodyPr/>
+                    <a:lstStyle/>
+                    <a:p>
+                      <a:pPr algn="ctr"/>
+                      <a:r>
+                        <a:rPr lang="en-US" sz="2000" dirty="0" err="1">
+                          <a:latin typeface="Times New Roman" panose="02020603050405020304" pitchFamily="18" charset="0"/>
+                          <a:cs typeface="Times New Roman" panose="02020603050405020304" pitchFamily="18" charset="0"/>
+                        </a:rPr>
+                        <a:t>Độ</a:t>
+                      </a:r>
+                      <a:r>
+                        <a:rPr lang="en-US" sz="2000" dirty="0">
+                          <a:latin typeface="Times New Roman" panose="02020603050405020304" pitchFamily="18" charset="0"/>
+                          <a:cs typeface="Times New Roman" panose="02020603050405020304" pitchFamily="18" charset="0"/>
+                        </a:rPr>
+                        <a:t> </a:t>
+                      </a:r>
+                      <a:r>
+                        <a:rPr lang="en-US" sz="2000" dirty="0" err="1">
+                          <a:latin typeface="Times New Roman" panose="02020603050405020304" pitchFamily="18" charset="0"/>
+                          <a:cs typeface="Times New Roman" panose="02020603050405020304" pitchFamily="18" charset="0"/>
+                        </a:rPr>
+                        <a:t>thiện</a:t>
+                      </a:r>
+                      <a:r>
+                        <a:rPr lang="en-US" sz="2000" dirty="0">
+                          <a:latin typeface="Times New Roman" panose="02020603050405020304" pitchFamily="18" charset="0"/>
+                          <a:cs typeface="Times New Roman" panose="02020603050405020304" pitchFamily="18" charset="0"/>
+                        </a:rPr>
+                        <a:t> </a:t>
+                      </a:r>
+                      <a:r>
+                        <a:rPr lang="en-US" sz="2000" dirty="0" err="1">
+                          <a:latin typeface="Times New Roman" panose="02020603050405020304" pitchFamily="18" charset="0"/>
+                          <a:cs typeface="Times New Roman" panose="02020603050405020304" pitchFamily="18" charset="0"/>
+                        </a:rPr>
+                        <a:t>cảm</a:t>
+                      </a:r>
+                      <a:endParaRPr lang="en-US" sz="2000" dirty="0">
+                        <a:latin typeface="Times New Roman" panose="02020603050405020304" pitchFamily="18" charset="0"/>
+                        <a:cs typeface="Times New Roman" panose="02020603050405020304" pitchFamily="18" charset="0"/>
+                      </a:endParaRPr>
+                    </a:p>
+                  </a:txBody>
+                  <a:tcPr/>
+                </a:tc>
+                <a:tc hMerge="1">
+                  <a:txBody>
+                    <a:bodyPr/>
+                    <a:lstStyle/>
+                    <a:p>
+                      <a:endParaRPr lang="en-US" dirty="0"/>
+                    </a:p>
+                  </a:txBody>
+                  <a:tcPr/>
+                </a:tc>
+                <a:tc gridSpan="2">
+                  <a:txBody>
+                    <a:bodyPr/>
+                    <a:lstStyle/>
+                    <a:p>
+                      <a:pPr algn="ctr"/>
+                      <a:r>
+                        <a:rPr lang="en-US" sz="2000" dirty="0" err="1">
+                          <a:latin typeface="Times New Roman" panose="02020603050405020304" pitchFamily="18" charset="0"/>
+                          <a:cs typeface="Times New Roman" panose="02020603050405020304" pitchFamily="18" charset="0"/>
+                        </a:rPr>
+                        <a:t>Độ</a:t>
+                      </a:r>
+                      <a:r>
+                        <a:rPr lang="en-US" sz="2000" dirty="0">
+                          <a:latin typeface="Times New Roman" panose="02020603050405020304" pitchFamily="18" charset="0"/>
+                          <a:cs typeface="Times New Roman" panose="02020603050405020304" pitchFamily="18" charset="0"/>
+                        </a:rPr>
+                        <a:t> </a:t>
+                      </a:r>
+                      <a:r>
+                        <a:rPr lang="en-US" sz="2000" dirty="0" err="1">
+                          <a:latin typeface="Times New Roman" panose="02020603050405020304" pitchFamily="18" charset="0"/>
+                          <a:cs typeface="Times New Roman" panose="02020603050405020304" pitchFamily="18" charset="0"/>
+                        </a:rPr>
+                        <a:t>chính</a:t>
+                      </a:r>
+                      <a:r>
+                        <a:rPr lang="en-US" sz="2000" dirty="0">
+                          <a:latin typeface="Times New Roman" panose="02020603050405020304" pitchFamily="18" charset="0"/>
+                          <a:cs typeface="Times New Roman" panose="02020603050405020304" pitchFamily="18" charset="0"/>
+                        </a:rPr>
+                        <a:t> </a:t>
+                      </a:r>
+                      <a:r>
+                        <a:rPr lang="en-US" sz="2000" dirty="0" err="1">
+                          <a:latin typeface="Times New Roman" panose="02020603050405020304" pitchFamily="18" charset="0"/>
+                          <a:cs typeface="Times New Roman" panose="02020603050405020304" pitchFamily="18" charset="0"/>
+                        </a:rPr>
+                        <a:t>xác</a:t>
+                      </a:r>
+                      <a:endParaRPr lang="en-US" sz="2000" dirty="0">
+                        <a:latin typeface="Times New Roman" panose="02020603050405020304" pitchFamily="18" charset="0"/>
+                        <a:cs typeface="Times New Roman" panose="02020603050405020304" pitchFamily="18" charset="0"/>
+                      </a:endParaRPr>
+                    </a:p>
+                  </a:txBody>
+                  <a:tcPr/>
+                </a:tc>
+                <a:tc hMerge="1">
+                  <a:txBody>
+                    <a:bodyPr/>
+                    <a:lstStyle/>
+                    <a:p>
+                      <a:endParaRPr lang="en-US" dirty="0"/>
+                    </a:p>
+                  </a:txBody>
+                  <a:tcPr/>
+                </a:tc>
+                <a:extLst>
+                  <a:ext uri="{0D108BD9-81ED-4DB2-BD59-A6C34878D82A}">
+                    <a16:rowId xmlns:a16="http://schemas.microsoft.com/office/drawing/2014/main" val="3428171097"/>
+                  </a:ext>
+                </a:extLst>
+              </a:tr>
+              <a:tr h="370840">
+                <a:tc vMerge="1">
+                  <a:txBody>
+                    <a:bodyPr/>
+                    <a:lstStyle/>
+                    <a:p>
+                      <a:endParaRPr lang="en-US" dirty="0"/>
+                    </a:p>
+                  </a:txBody>
+                  <a:tcPr/>
+                </a:tc>
+                <a:tc>
+                  <a:txBody>
+                    <a:bodyPr/>
+                    <a:lstStyle/>
+                    <a:p>
+                      <a:pPr algn="ctr"/>
+                      <a:r>
+                        <a:rPr lang="en-US" sz="2000" dirty="0">
+                          <a:latin typeface="Times New Roman" panose="02020603050405020304" pitchFamily="18" charset="0"/>
+                          <a:cs typeface="Times New Roman" panose="02020603050405020304" pitchFamily="18" charset="0"/>
+                        </a:rPr>
+                        <a:t>Trung </a:t>
+                      </a:r>
+                      <a:r>
+                        <a:rPr lang="en-US" sz="2000" dirty="0" err="1">
+                          <a:latin typeface="Times New Roman" panose="02020603050405020304" pitchFamily="18" charset="0"/>
+                          <a:cs typeface="Times New Roman" panose="02020603050405020304" pitchFamily="18" charset="0"/>
+                        </a:rPr>
+                        <a:t>bình</a:t>
+                      </a:r>
+                      <a:endParaRPr lang="en-US" sz="2000" dirty="0">
+                        <a:latin typeface="Times New Roman" panose="02020603050405020304" pitchFamily="18" charset="0"/>
+                        <a:cs typeface="Times New Roman" panose="02020603050405020304" pitchFamily="18" charset="0"/>
+                      </a:endParaRPr>
+                    </a:p>
+                  </a:txBody>
+                  <a:tcPr/>
+                </a:tc>
+                <a:tc>
+                  <a:txBody>
+                    <a:bodyPr/>
+                    <a:lstStyle/>
+                    <a:p>
+                      <a:pPr algn="ctr"/>
+                      <a:r>
+                        <a:rPr lang="en-US" sz="2000" dirty="0" err="1">
+                          <a:latin typeface="Times New Roman" panose="02020603050405020304" pitchFamily="18" charset="0"/>
+                          <a:cs typeface="Times New Roman" panose="02020603050405020304" pitchFamily="18" charset="0"/>
+                        </a:rPr>
+                        <a:t>Độ</a:t>
+                      </a:r>
+                      <a:r>
+                        <a:rPr lang="en-US" sz="2000" dirty="0">
+                          <a:latin typeface="Times New Roman" panose="02020603050405020304" pitchFamily="18" charset="0"/>
+                          <a:cs typeface="Times New Roman" panose="02020603050405020304" pitchFamily="18" charset="0"/>
+                        </a:rPr>
+                        <a:t> </a:t>
+                      </a:r>
+                      <a:r>
+                        <a:rPr lang="en-US" sz="2000" dirty="0" err="1">
+                          <a:latin typeface="Times New Roman" panose="02020603050405020304" pitchFamily="18" charset="0"/>
+                          <a:cs typeface="Times New Roman" panose="02020603050405020304" pitchFamily="18" charset="0"/>
+                        </a:rPr>
+                        <a:t>lệch</a:t>
+                      </a:r>
+                      <a:r>
+                        <a:rPr lang="en-US" sz="2000" dirty="0">
+                          <a:latin typeface="Times New Roman" panose="02020603050405020304" pitchFamily="18" charset="0"/>
+                          <a:cs typeface="Times New Roman" panose="02020603050405020304" pitchFamily="18" charset="0"/>
+                        </a:rPr>
+                        <a:t> </a:t>
+                      </a:r>
+                      <a:r>
+                        <a:rPr lang="en-US" sz="2000" dirty="0" err="1">
+                          <a:latin typeface="Times New Roman" panose="02020603050405020304" pitchFamily="18" charset="0"/>
+                          <a:cs typeface="Times New Roman" panose="02020603050405020304" pitchFamily="18" charset="0"/>
+                        </a:rPr>
+                        <a:t>chuẩn</a:t>
+                      </a:r>
+                      <a:endParaRPr lang="en-US" sz="2000" dirty="0">
+                        <a:latin typeface="Times New Roman" panose="02020603050405020304" pitchFamily="18" charset="0"/>
+                        <a:cs typeface="Times New Roman" panose="02020603050405020304" pitchFamily="18" charset="0"/>
+                      </a:endParaRPr>
+                    </a:p>
+                  </a:txBody>
+                  <a:tcPr/>
+                </a:tc>
+                <a:tc>
+                  <a:txBody>
+                    <a:bodyPr/>
+                    <a:lstStyle/>
+                    <a:p>
+                      <a:pPr algn="ctr"/>
+                      <a:r>
+                        <a:rPr lang="en-US" sz="2000" dirty="0">
+                          <a:latin typeface="Times New Roman" panose="02020603050405020304" pitchFamily="18" charset="0"/>
+                          <a:cs typeface="Times New Roman" panose="02020603050405020304" pitchFamily="18" charset="0"/>
+                        </a:rPr>
+                        <a:t>Trung </a:t>
+                      </a:r>
+                      <a:r>
+                        <a:rPr lang="en-US" sz="2000" dirty="0" err="1">
+                          <a:latin typeface="Times New Roman" panose="02020603050405020304" pitchFamily="18" charset="0"/>
+                          <a:cs typeface="Times New Roman" panose="02020603050405020304" pitchFamily="18" charset="0"/>
+                        </a:rPr>
+                        <a:t>bình</a:t>
+                      </a:r>
+                      <a:endParaRPr lang="en-US" sz="2000" dirty="0">
+                        <a:latin typeface="Times New Roman" panose="02020603050405020304" pitchFamily="18" charset="0"/>
+                        <a:cs typeface="Times New Roman" panose="02020603050405020304" pitchFamily="18" charset="0"/>
+                      </a:endParaRPr>
+                    </a:p>
+                  </a:txBody>
+                  <a:tcPr/>
+                </a:tc>
+                <a:tc>
+                  <a:txBody>
+                    <a:bodyPr/>
+                    <a:lstStyle/>
+                    <a:p>
+                      <a:pPr algn="ctr"/>
+                      <a:r>
+                        <a:rPr lang="en-US" sz="2000" dirty="0" err="1">
+                          <a:latin typeface="Times New Roman" panose="02020603050405020304" pitchFamily="18" charset="0"/>
+                          <a:cs typeface="Times New Roman" panose="02020603050405020304" pitchFamily="18" charset="0"/>
+                        </a:rPr>
+                        <a:t>Độ</a:t>
+                      </a:r>
+                      <a:r>
+                        <a:rPr lang="en-US" sz="2000" dirty="0">
+                          <a:latin typeface="Times New Roman" panose="02020603050405020304" pitchFamily="18" charset="0"/>
+                          <a:cs typeface="Times New Roman" panose="02020603050405020304" pitchFamily="18" charset="0"/>
+                        </a:rPr>
+                        <a:t> </a:t>
+                      </a:r>
+                      <a:r>
+                        <a:rPr lang="en-US" sz="2000" dirty="0" err="1">
+                          <a:latin typeface="Times New Roman" panose="02020603050405020304" pitchFamily="18" charset="0"/>
+                          <a:cs typeface="Times New Roman" panose="02020603050405020304" pitchFamily="18" charset="0"/>
+                        </a:rPr>
+                        <a:t>lệch</a:t>
+                      </a:r>
+                      <a:r>
+                        <a:rPr lang="en-US" sz="2000" dirty="0">
+                          <a:latin typeface="Times New Roman" panose="02020603050405020304" pitchFamily="18" charset="0"/>
+                          <a:cs typeface="Times New Roman" panose="02020603050405020304" pitchFamily="18" charset="0"/>
+                        </a:rPr>
+                        <a:t> </a:t>
+                      </a:r>
+                      <a:r>
+                        <a:rPr lang="en-US" sz="2000" dirty="0" err="1">
+                          <a:latin typeface="Times New Roman" panose="02020603050405020304" pitchFamily="18" charset="0"/>
+                          <a:cs typeface="Times New Roman" panose="02020603050405020304" pitchFamily="18" charset="0"/>
+                        </a:rPr>
+                        <a:t>chuẩn</a:t>
+                      </a:r>
+                      <a:endParaRPr lang="en-US" sz="2000" dirty="0">
+                        <a:latin typeface="Times New Roman" panose="02020603050405020304" pitchFamily="18" charset="0"/>
+                        <a:cs typeface="Times New Roman" panose="02020603050405020304" pitchFamily="18" charset="0"/>
+                      </a:endParaRPr>
+                    </a:p>
+                  </a:txBody>
+                  <a:tcPr/>
+                </a:tc>
+                <a:extLst>
+                  <a:ext uri="{0D108BD9-81ED-4DB2-BD59-A6C34878D82A}">
+                    <a16:rowId xmlns:a16="http://schemas.microsoft.com/office/drawing/2014/main" val="3745317419"/>
+                  </a:ext>
+                </a:extLst>
+              </a:tr>
+              <a:tr h="370840">
+                <a:tc>
+                  <a:txBody>
+                    <a:bodyPr/>
+                    <a:lstStyle/>
+                    <a:p>
+                      <a:pPr algn="ctr"/>
+                      <a:r>
+                        <a:rPr lang="en-US" sz="2000" dirty="0">
+                          <a:latin typeface="Times New Roman" panose="02020603050405020304" pitchFamily="18" charset="0"/>
+                          <a:cs typeface="Times New Roman" panose="02020603050405020304" pitchFamily="18" charset="0"/>
+                        </a:rPr>
+                        <a:t>2</a:t>
+                      </a:r>
+                    </a:p>
+                  </a:txBody>
+                  <a:tcPr/>
+                </a:tc>
+                <a:tc>
+                  <a:txBody>
+                    <a:bodyPr/>
+                    <a:lstStyle/>
+                    <a:p>
+                      <a:pPr algn="ctr"/>
+                      <a:r>
+                        <a:rPr lang="en-US" sz="2000" dirty="0">
+                          <a:latin typeface="Times New Roman" panose="02020603050405020304" pitchFamily="18" charset="0"/>
+                          <a:cs typeface="Times New Roman" panose="02020603050405020304" pitchFamily="18" charset="0"/>
+                        </a:rPr>
+                        <a:t>8.7667</a:t>
+                      </a:r>
+                    </a:p>
+                  </a:txBody>
+                  <a:tcPr/>
+                </a:tc>
+                <a:tc>
+                  <a:txBody>
+                    <a:bodyPr/>
+                    <a:lstStyle/>
+                    <a:p>
+                      <a:pPr algn="ctr"/>
+                      <a:r>
+                        <a:rPr lang="en-US" sz="2000" dirty="0">
+                          <a:latin typeface="Times New Roman" panose="02020603050405020304" pitchFamily="18" charset="0"/>
+                          <a:cs typeface="Times New Roman" panose="02020603050405020304" pitchFamily="18" charset="0"/>
+                        </a:rPr>
+                        <a:t>0.3278</a:t>
+                      </a:r>
+                    </a:p>
+                  </a:txBody>
+                  <a:tcPr/>
+                </a:tc>
+                <a:tc>
+                  <a:txBody>
+                    <a:bodyPr/>
+                    <a:lstStyle/>
+                    <a:p>
+                      <a:pPr algn="ctr"/>
+                      <a:r>
+                        <a:rPr lang="en-US" sz="2000" dirty="0">
+                          <a:latin typeface="Times New Roman" panose="02020603050405020304" pitchFamily="18" charset="0"/>
+                          <a:cs typeface="Times New Roman" panose="02020603050405020304" pitchFamily="18" charset="0"/>
+                        </a:rPr>
+                        <a:t>8.6583</a:t>
+                      </a:r>
+                    </a:p>
+                  </a:txBody>
+                  <a:tcPr/>
+                </a:tc>
+                <a:tc>
+                  <a:txBody>
+                    <a:bodyPr/>
+                    <a:lstStyle/>
+                    <a:p>
+                      <a:pPr algn="ctr"/>
+                      <a:r>
+                        <a:rPr lang="en-US" sz="2000" dirty="0">
+                          <a:latin typeface="Times New Roman" panose="02020603050405020304" pitchFamily="18" charset="0"/>
+                          <a:cs typeface="Times New Roman" panose="02020603050405020304" pitchFamily="18" charset="0"/>
+                        </a:rPr>
+                        <a:t>0.6581</a:t>
+                      </a:r>
+                    </a:p>
+                  </a:txBody>
+                  <a:tcPr/>
+                </a:tc>
+                <a:extLst>
+                  <a:ext uri="{0D108BD9-81ED-4DB2-BD59-A6C34878D82A}">
+                    <a16:rowId xmlns:a16="http://schemas.microsoft.com/office/drawing/2014/main" val="4203320636"/>
+                  </a:ext>
+                </a:extLst>
+              </a:tr>
+              <a:tr h="370840">
+                <a:tc>
+                  <a:txBody>
+                    <a:bodyPr/>
+                    <a:lstStyle/>
+                    <a:p>
+                      <a:pPr algn="ctr"/>
+                      <a:r>
+                        <a:rPr lang="en-US" sz="2000" dirty="0">
+                          <a:latin typeface="Times New Roman" panose="02020603050405020304" pitchFamily="18" charset="0"/>
+                          <a:cs typeface="Times New Roman" panose="02020603050405020304" pitchFamily="18" charset="0"/>
+                        </a:rPr>
+                        <a:t>5</a:t>
+                      </a:r>
+                    </a:p>
+                  </a:txBody>
+                  <a:tcPr/>
+                </a:tc>
+                <a:tc>
+                  <a:txBody>
+                    <a:bodyPr/>
+                    <a:lstStyle/>
+                    <a:p>
+                      <a:pPr algn="ctr"/>
+                      <a:r>
+                        <a:rPr lang="en-US" sz="2000" dirty="0">
+                          <a:latin typeface="Times New Roman" panose="02020603050405020304" pitchFamily="18" charset="0"/>
+                          <a:cs typeface="Times New Roman" panose="02020603050405020304" pitchFamily="18" charset="0"/>
+                        </a:rPr>
+                        <a:t>8.6917</a:t>
+                      </a:r>
+                    </a:p>
+                  </a:txBody>
+                  <a:tcPr/>
+                </a:tc>
+                <a:tc>
+                  <a:txBody>
+                    <a:bodyPr/>
+                    <a:lstStyle/>
+                    <a:p>
+                      <a:pPr algn="ctr"/>
+                      <a:r>
+                        <a:rPr lang="en-US" sz="2000" dirty="0">
+                          <a:latin typeface="Times New Roman" panose="02020603050405020304" pitchFamily="18" charset="0"/>
+                          <a:cs typeface="Times New Roman" panose="02020603050405020304" pitchFamily="18" charset="0"/>
+                        </a:rPr>
+                        <a:t>0.2516</a:t>
+                      </a:r>
+                    </a:p>
+                  </a:txBody>
+                  <a:tcPr/>
+                </a:tc>
+                <a:tc>
+                  <a:txBody>
+                    <a:bodyPr/>
+                    <a:lstStyle/>
+                    <a:p>
+                      <a:pPr algn="ctr"/>
+                      <a:r>
+                        <a:rPr lang="en-US" sz="2000" dirty="0">
+                          <a:latin typeface="Times New Roman" panose="02020603050405020304" pitchFamily="18" charset="0"/>
+                          <a:cs typeface="Times New Roman" panose="02020603050405020304" pitchFamily="18" charset="0"/>
+                        </a:rPr>
+                        <a:t>8.1833</a:t>
+                      </a:r>
+                    </a:p>
+                  </a:txBody>
+                  <a:tcPr/>
+                </a:tc>
+                <a:tc>
+                  <a:txBody>
+                    <a:bodyPr/>
+                    <a:lstStyle/>
+                    <a:p>
+                      <a:pPr algn="ctr"/>
+                      <a:r>
+                        <a:rPr lang="en-US" sz="2000" dirty="0">
+                          <a:latin typeface="Times New Roman" panose="02020603050405020304" pitchFamily="18" charset="0"/>
+                          <a:cs typeface="Times New Roman" panose="02020603050405020304" pitchFamily="18" charset="0"/>
+                        </a:rPr>
+                        <a:t>0.4777</a:t>
+                      </a:r>
+                    </a:p>
+                  </a:txBody>
+                  <a:tcPr/>
+                </a:tc>
+                <a:extLst>
+                  <a:ext uri="{0D108BD9-81ED-4DB2-BD59-A6C34878D82A}">
+                    <a16:rowId xmlns:a16="http://schemas.microsoft.com/office/drawing/2014/main" val="1383552061"/>
+                  </a:ext>
+                </a:extLst>
+              </a:tr>
+              <a:tr h="370840">
+                <a:tc>
+                  <a:txBody>
+                    <a:bodyPr/>
+                    <a:lstStyle/>
+                    <a:p>
+                      <a:pPr algn="ctr"/>
+                      <a:r>
+                        <a:rPr lang="en-US" sz="2000" dirty="0">
+                          <a:latin typeface="Times New Roman" panose="02020603050405020304" pitchFamily="18" charset="0"/>
+                          <a:cs typeface="Times New Roman" panose="02020603050405020304" pitchFamily="18" charset="0"/>
+                        </a:rPr>
+                        <a:t>10</a:t>
+                      </a:r>
+                    </a:p>
+                  </a:txBody>
+                  <a:tcPr/>
+                </a:tc>
+                <a:tc>
+                  <a:txBody>
+                    <a:bodyPr/>
+                    <a:lstStyle/>
+                    <a:p>
+                      <a:pPr algn="ctr"/>
+                      <a:r>
+                        <a:rPr lang="en-US" sz="2000" dirty="0">
+                          <a:latin typeface="Times New Roman" panose="02020603050405020304" pitchFamily="18" charset="0"/>
+                          <a:cs typeface="Times New Roman" panose="02020603050405020304" pitchFamily="18" charset="0"/>
+                        </a:rPr>
+                        <a:t>9.0167</a:t>
+                      </a:r>
+                    </a:p>
+                  </a:txBody>
+                  <a:tcPr/>
+                </a:tc>
+                <a:tc>
+                  <a:txBody>
+                    <a:bodyPr/>
+                    <a:lstStyle/>
+                    <a:p>
+                      <a:pPr algn="ctr"/>
+                      <a:r>
+                        <a:rPr lang="en-US" sz="2000" dirty="0">
+                          <a:latin typeface="Times New Roman" panose="02020603050405020304" pitchFamily="18" charset="0"/>
+                          <a:cs typeface="Times New Roman" panose="02020603050405020304" pitchFamily="18" charset="0"/>
+                        </a:rPr>
+                        <a:t>0.2702</a:t>
+                      </a:r>
+                    </a:p>
+                  </a:txBody>
+                  <a:tcPr/>
+                </a:tc>
+                <a:tc>
+                  <a:txBody>
+                    <a:bodyPr/>
+                    <a:lstStyle/>
+                    <a:p>
+                      <a:pPr algn="ctr"/>
+                      <a:r>
+                        <a:rPr lang="en-US" sz="2000" dirty="0">
+                          <a:latin typeface="Times New Roman" panose="02020603050405020304" pitchFamily="18" charset="0"/>
+                          <a:cs typeface="Times New Roman" panose="02020603050405020304" pitchFamily="18" charset="0"/>
+                        </a:rPr>
+                        <a:t>8.5667</a:t>
+                      </a:r>
+                    </a:p>
+                  </a:txBody>
+                  <a:tcPr/>
+                </a:tc>
+                <a:tc>
+                  <a:txBody>
+                    <a:bodyPr/>
+                    <a:lstStyle/>
+                    <a:p>
+                      <a:pPr algn="ctr"/>
+                      <a:r>
+                        <a:rPr lang="en-US" sz="2000" dirty="0">
+                          <a:latin typeface="Times New Roman" panose="02020603050405020304" pitchFamily="18" charset="0"/>
+                          <a:cs typeface="Times New Roman" panose="02020603050405020304" pitchFamily="18" charset="0"/>
+                        </a:rPr>
+                        <a:t>0.3212</a:t>
+                      </a:r>
+                    </a:p>
+                  </a:txBody>
+                  <a:tcPr/>
+                </a:tc>
+                <a:extLst>
+                  <a:ext uri="{0D108BD9-81ED-4DB2-BD59-A6C34878D82A}">
+                    <a16:rowId xmlns:a16="http://schemas.microsoft.com/office/drawing/2014/main" val="702600287"/>
+                  </a:ext>
+                </a:extLst>
+              </a:tr>
+            </a:tbl>
+          </a:graphicData>
+        </a:graphic>
+      </p:graphicFrame>
       <p:sp>
         <p:nvSpPr>
           <p:cNvPr id="4" name="Slide Number Placeholder 3">
@@ -17093,6 +17932,165 @@
               <a:t>33</a:t>
             </a:fld>
             <a:endParaRPr lang="vi-VN"/>
+          </a:p>
+        </p:txBody>
+      </p:sp>
+      <p:sp>
+        <p:nvSpPr>
+          <p:cNvPr id="7" name="Hộp Văn bản 6">
+            <a:extLst>
+              <a:ext uri="{FF2B5EF4-FFF2-40B4-BE49-F238E27FC236}">
+                <a16:creationId xmlns:a16="http://schemas.microsoft.com/office/drawing/2014/main" id="{E4DC019A-EAA4-CB7E-763E-BFE0A4F5AD91}"/>
+              </a:ext>
+            </a:extLst>
+          </p:cNvPr>
+          <p:cNvSpPr txBox="1"/>
+          <p:nvPr/>
+        </p:nvSpPr>
+        <p:spPr>
+          <a:xfrm>
+            <a:off x="838200" y="1323806"/>
+            <a:ext cx="1986280" cy="477054"/>
+          </a:xfrm>
+          <a:prstGeom prst="rect">
+            <a:avLst/>
+          </a:prstGeom>
+          <a:noFill/>
+        </p:spPr>
+        <p:txBody>
+          <a:bodyPr wrap="square" rtlCol="0">
+            <a:spAutoFit/>
+          </a:bodyPr>
+          <a:lstStyle/>
+          <a:p>
+            <a:pPr marL="285750" indent="-285750">
+              <a:buFont typeface="Arial" panose="020B0604020202020204" pitchFamily="34" charset="0"/>
+              <a:buChar char="•"/>
+            </a:pPr>
+            <a:r>
+              <a:rPr lang="en-US" sz="2500" b="1" dirty="0">
+                <a:latin typeface="Times New Roman" panose="02020603050405020304" pitchFamily="18" charset="0"/>
+                <a:cs typeface="Times New Roman" panose="02020603050405020304" pitchFamily="18" charset="0"/>
+              </a:rPr>
+              <a:t>Multi-turn</a:t>
+            </a:r>
+          </a:p>
+        </p:txBody>
+      </p:sp>
+      <p:sp>
+        <p:nvSpPr>
+          <p:cNvPr id="8" name="Hộp Văn bản 7">
+            <a:extLst>
+              <a:ext uri="{FF2B5EF4-FFF2-40B4-BE49-F238E27FC236}">
+                <a16:creationId xmlns:a16="http://schemas.microsoft.com/office/drawing/2014/main" id="{E28F8243-F062-4B01-9039-B376607BFC2C}"/>
+              </a:ext>
+            </a:extLst>
+          </p:cNvPr>
+          <p:cNvSpPr txBox="1"/>
+          <p:nvPr/>
+        </p:nvSpPr>
+        <p:spPr>
+          <a:xfrm>
+            <a:off x="838200" y="4355424"/>
+            <a:ext cx="4373880" cy="1092607"/>
+          </a:xfrm>
+          <a:prstGeom prst="rect">
+            <a:avLst/>
+          </a:prstGeom>
+          <a:noFill/>
+        </p:spPr>
+        <p:txBody>
+          <a:bodyPr wrap="square" rtlCol="0">
+            <a:spAutoFit/>
+          </a:bodyPr>
+          <a:lstStyle/>
+          <a:p>
+            <a:pPr marL="285750" indent="-285750">
+              <a:buFont typeface="Arial" panose="020B0604020202020204" pitchFamily="34" charset="0"/>
+              <a:buChar char="•"/>
+            </a:pPr>
+            <a:r>
+              <a:rPr lang="en-US" sz="2500" b="1" dirty="0">
+                <a:latin typeface="Times New Roman" panose="02020603050405020304" pitchFamily="18" charset="0"/>
+                <a:cs typeface="Times New Roman" panose="02020603050405020304" pitchFamily="18" charset="0"/>
+              </a:rPr>
+              <a:t>One-shot</a:t>
+            </a:r>
+          </a:p>
+          <a:p>
+            <a:pPr marL="342900" indent="-342900">
+              <a:buFontTx/>
+              <a:buChar char="-"/>
+            </a:pPr>
+            <a:r>
+              <a:rPr lang="en-US" sz="2000" dirty="0">
+                <a:latin typeface="Times New Roman" panose="02020603050405020304" pitchFamily="18" charset="0"/>
+                <a:cs typeface="Times New Roman" panose="02020603050405020304" pitchFamily="18" charset="0"/>
+              </a:rPr>
+              <a:t>Trung </a:t>
+            </a:r>
+            <a:r>
+              <a:rPr lang="en-US" sz="2000" dirty="0" err="1">
+                <a:latin typeface="Times New Roman" panose="02020603050405020304" pitchFamily="18" charset="0"/>
+                <a:cs typeface="Times New Roman" panose="02020603050405020304" pitchFamily="18" charset="0"/>
+              </a:rPr>
+              <a:t>bình</a:t>
+            </a:r>
+            <a:r>
+              <a:rPr lang="en-US" sz="2000" dirty="0">
+                <a:latin typeface="Times New Roman" panose="02020603050405020304" pitchFamily="18" charset="0"/>
+                <a:cs typeface="Times New Roman" panose="02020603050405020304" pitchFamily="18" charset="0"/>
+              </a:rPr>
+              <a:t>: 7.6825</a:t>
+            </a:r>
+          </a:p>
+          <a:p>
+            <a:pPr marL="342900" indent="-342900">
+              <a:buFontTx/>
+              <a:buChar char="-"/>
+            </a:pPr>
+            <a:r>
+              <a:rPr lang="en-US" sz="2000" dirty="0" err="1">
+                <a:latin typeface="Times New Roman" panose="02020603050405020304" pitchFamily="18" charset="0"/>
+                <a:cs typeface="Times New Roman" panose="02020603050405020304" pitchFamily="18" charset="0"/>
+              </a:rPr>
+              <a:t>Độ</a:t>
+            </a:r>
+            <a:r>
+              <a:rPr lang="en-US" sz="2000" dirty="0">
+                <a:latin typeface="Times New Roman" panose="02020603050405020304" pitchFamily="18" charset="0"/>
+                <a:cs typeface="Times New Roman" panose="02020603050405020304" pitchFamily="18" charset="0"/>
+              </a:rPr>
+              <a:t> </a:t>
+            </a:r>
+            <a:r>
+              <a:rPr lang="en-US" sz="2000" dirty="0" err="1">
+                <a:latin typeface="Times New Roman" panose="02020603050405020304" pitchFamily="18" charset="0"/>
+                <a:cs typeface="Times New Roman" panose="02020603050405020304" pitchFamily="18" charset="0"/>
+              </a:rPr>
+              <a:t>lệch</a:t>
+            </a:r>
+            <a:r>
+              <a:rPr lang="en-US" sz="2000" dirty="0">
+                <a:latin typeface="Times New Roman" panose="02020603050405020304" pitchFamily="18" charset="0"/>
+                <a:cs typeface="Times New Roman" panose="02020603050405020304" pitchFamily="18" charset="0"/>
+              </a:rPr>
+              <a:t> </a:t>
+            </a:r>
+            <a:r>
+              <a:rPr lang="en-US" sz="2000" dirty="0" err="1">
+                <a:latin typeface="Times New Roman" panose="02020603050405020304" pitchFamily="18" charset="0"/>
+                <a:cs typeface="Times New Roman" panose="02020603050405020304" pitchFamily="18" charset="0"/>
+              </a:rPr>
+              <a:t>chuẩn</a:t>
+            </a:r>
+            <a:r>
+              <a:rPr lang="en-US" sz="2000" dirty="0">
+                <a:latin typeface="Times New Roman" panose="02020603050405020304" pitchFamily="18" charset="0"/>
+                <a:cs typeface="Times New Roman" panose="02020603050405020304" pitchFamily="18" charset="0"/>
+              </a:rPr>
+              <a:t>: 0.7478</a:t>
+            </a:r>
           </a:p>
         </p:txBody>
       </p:sp>
@@ -17118,6 +18116,165 @@
       </p:transition>
     </mc:Fallback>
   </mc:AlternateContent>
+  <p:timing>
+    <p:tnLst>
+      <p:par>
+        <p:cTn id="1" dur="indefinite" restart="never" nodeType="tmRoot">
+          <p:childTnLst>
+            <p:seq concurrent="1" nextAc="seek">
+              <p:cTn id="2" dur="indefinite" nodeType="mainSeq">
+                <p:childTnLst>
+                  <p:par>
+                    <p:cTn id="3" fill="hold">
+                      <p:stCondLst>
+                        <p:cond delay="indefinite"/>
+                      </p:stCondLst>
+                      <p:childTnLst>
+                        <p:par>
+                          <p:cTn id="4" fill="hold">
+                            <p:stCondLst>
+                              <p:cond delay="0"/>
+                            </p:stCondLst>
+                            <p:childTnLst>
+                              <p:par>
+                                <p:cTn id="5" presetID="1" presetClass="entr" presetSubtype="0" fill="hold" grpId="0" nodeType="clickEffect">
+                                  <p:stCondLst>
+                                    <p:cond delay="0"/>
+                                  </p:stCondLst>
+                                  <p:childTnLst>
+                                    <p:set>
+                                      <p:cBhvr>
+                                        <p:cTn id="6" dur="1" fill="hold">
+                                          <p:stCondLst>
+                                            <p:cond delay="0"/>
+                                          </p:stCondLst>
+                                        </p:cTn>
+                                        <p:tgtEl>
+                                          <p:spTgt spid="7"/>
+                                        </p:tgtEl>
+                                        <p:attrNameLst>
+                                          <p:attrName>style.visibility</p:attrName>
+                                        </p:attrNameLst>
+                                      </p:cBhvr>
+                                      <p:to>
+                                        <p:strVal val="visible"/>
+                                      </p:to>
+                                    </p:set>
+                                  </p:childTnLst>
+                                </p:cTn>
+                              </p:par>
+                              <p:par>
+                                <p:cTn id="7" presetID="10" presetClass="entr" presetSubtype="0" fill="hold" nodeType="withEffect">
+                                  <p:stCondLst>
+                                    <p:cond delay="0"/>
+                                  </p:stCondLst>
+                                  <p:childTnLst>
+                                    <p:set>
+                                      <p:cBhvr>
+                                        <p:cTn id="8" dur="1" fill="hold">
+                                          <p:stCondLst>
+                                            <p:cond delay="0"/>
+                                          </p:stCondLst>
+                                        </p:cTn>
+                                        <p:tgtEl>
+                                          <p:spTgt spid="6"/>
+                                        </p:tgtEl>
+                                        <p:attrNameLst>
+                                          <p:attrName>style.visibility</p:attrName>
+                                        </p:attrNameLst>
+                                      </p:cBhvr>
+                                      <p:to>
+                                        <p:strVal val="visible"/>
+                                      </p:to>
+                                    </p:set>
+                                    <p:animEffect transition="in" filter="fade">
+                                      <p:cBhvr>
+                                        <p:cTn id="9" dur="500"/>
+                                        <p:tgtEl>
+                                          <p:spTgt spid="6"/>
+                                        </p:tgtEl>
+                                      </p:cBhvr>
+                                    </p:animEffect>
+                                  </p:childTnLst>
+                                </p:cTn>
+                              </p:par>
+                            </p:childTnLst>
+                          </p:cTn>
+                        </p:par>
+                      </p:childTnLst>
+                    </p:cTn>
+                  </p:par>
+                  <p:par>
+                    <p:cTn id="10" fill="hold">
+                      <p:stCondLst>
+                        <p:cond delay="indefinite"/>
+                      </p:stCondLst>
+                      <p:childTnLst>
+                        <p:par>
+                          <p:cTn id="11" fill="hold">
+                            <p:stCondLst>
+                              <p:cond delay="0"/>
+                            </p:stCondLst>
+                            <p:childTnLst>
+                              <p:par>
+                                <p:cTn id="12" presetID="1" presetClass="entr" presetSubtype="0" fill="hold" grpId="0" nodeType="clickEffect">
+                                  <p:stCondLst>
+                                    <p:cond delay="0"/>
+                                  </p:stCondLst>
+                                  <p:childTnLst>
+                                    <p:set>
+                                      <p:cBhvr>
+                                        <p:cTn id="13" dur="1" fill="hold">
+                                          <p:stCondLst>
+                                            <p:cond delay="0"/>
+                                          </p:stCondLst>
+                                        </p:cTn>
+                                        <p:tgtEl>
+                                          <p:spTgt spid="8"/>
+                                        </p:tgtEl>
+                                        <p:attrNameLst>
+                                          <p:attrName>style.visibility</p:attrName>
+                                        </p:attrNameLst>
+                                      </p:cBhvr>
+                                      <p:to>
+                                        <p:strVal val="visible"/>
+                                      </p:to>
+                                    </p:set>
+                                  </p:childTnLst>
+                                </p:cTn>
+                              </p:par>
+                            </p:childTnLst>
+                          </p:cTn>
+                        </p:par>
+                      </p:childTnLst>
+                    </p:cTn>
+                  </p:par>
+                </p:childTnLst>
+              </p:cTn>
+              <p:prevCondLst>
+                <p:cond evt="onPrev" delay="0">
+                  <p:tgtEl>
+                    <p:sldTgt/>
+                  </p:tgtEl>
+                </p:cond>
+              </p:prevCondLst>
+              <p:nextCondLst>
+                <p:cond evt="onNext" delay="0">
+                  <p:tgtEl>
+                    <p:sldTgt/>
+                  </p:tgtEl>
+                </p:cond>
+              </p:nextCondLst>
+            </p:seq>
+          </p:childTnLst>
+        </p:cTn>
+      </p:par>
+    </p:tnLst>
+    <p:bldLst>
+      <p:bldP spid="7" grpId="0"/>
+      <p:bldP spid="8" grpId="0"/>
+    </p:bldLst>
+  </p:timing>
 </p:sld>
 </file>
 

--- a/slide.pptx
+++ b/slide.pptx
@@ -10814,8 +10814,8 @@
           </a:p>
         </p:txBody>
       </p:sp>
-      <mc:AlternateContent xmlns:mc="http://schemas.openxmlformats.org/markup-compatibility/2006">
-        <mc:Choice xmlns:a14="http://schemas.microsoft.com/office/drawing/2010/main" Requires="a14">
+      <mc:AlternateContent xmlns:mc="http://schemas.openxmlformats.org/markup-compatibility/2006" xmlns:a14="http://schemas.microsoft.com/office/drawing/2010/main">
+        <mc:Choice Requires="a14">
           <p:sp>
             <p:nvSpPr>
               <p:cNvPr id="13" name="Content Placeholder 12">
@@ -11124,7 +11124,7 @@
             </p:txBody>
           </p:sp>
         </mc:Choice>
-        <mc:Fallback>
+        <mc:Fallback xmlns="">
           <p:sp>
             <p:nvSpPr>
               <p:cNvPr id="13" name="Content Placeholder 12">
@@ -12554,8 +12554,8 @@
           </a:p>
         </p:txBody>
       </p:sp>
-      <mc:AlternateContent xmlns:mc="http://schemas.openxmlformats.org/markup-compatibility/2006">
-        <mc:Choice xmlns:a14="http://schemas.microsoft.com/office/drawing/2010/main" Requires="a14">
+      <mc:AlternateContent xmlns:mc="http://schemas.openxmlformats.org/markup-compatibility/2006" xmlns:a14="http://schemas.microsoft.com/office/drawing/2010/main">
+        <mc:Choice Requires="a14">
           <p:sp>
             <p:nvSpPr>
               <p:cNvPr id="3" name="Content Placeholder 2">
@@ -13209,7 +13209,7 @@
             </p:txBody>
           </p:sp>
         </mc:Choice>
-        <mc:Fallback>
+        <mc:Fallback xmlns="">
           <p:sp>
             <p:nvSpPr>
               <p:cNvPr id="3" name="Content Placeholder 2">
@@ -15985,8 +15985,8 @@
           </a:p>
         </p:txBody>
       </p:sp>
-      <mc:AlternateContent xmlns:mc="http://schemas.openxmlformats.org/markup-compatibility/2006">
-        <mc:Choice xmlns:a14="http://schemas.microsoft.com/office/drawing/2010/main" Requires="a14">
+      <mc:AlternateContent xmlns:mc="http://schemas.openxmlformats.org/markup-compatibility/2006" xmlns:a14="http://schemas.microsoft.com/office/drawing/2010/main">
+        <mc:Choice Requires="a14">
           <p:sp>
             <p:nvSpPr>
               <p:cNvPr id="3" name="Content Placeholder 2">
@@ -16356,7 +16356,7 @@
             </p:txBody>
           </p:sp>
         </mc:Choice>
-        <mc:Fallback>
+        <mc:Fallback xmlns="">
           <p:sp>
             <p:nvSpPr>
               <p:cNvPr id="3" name="Content Placeholder 2">
@@ -18201,30 +18201,21 @@
                             </p:childTnLst>
                           </p:cTn>
                         </p:par>
-                      </p:childTnLst>
-                    </p:cTn>
-                  </p:par>
-                  <p:par>
-                    <p:cTn id="10" fill="hold">
-                      <p:stCondLst>
-                        <p:cond delay="indefinite"/>
-                      </p:stCondLst>
-                      <p:childTnLst>
                         <p:par>
-                          <p:cTn id="11" fill="hold">
+                          <p:cTn id="10" fill="hold">
                             <p:stCondLst>
-                              <p:cond delay="0"/>
+                              <p:cond delay="500"/>
                             </p:stCondLst>
                             <p:childTnLst>
                               <p:par>
-                                <p:cTn id="12" presetID="1" presetClass="entr" presetSubtype="0" fill="hold" grpId="0" nodeType="clickEffect">
+                                <p:cTn id="11" presetID="10" presetClass="entr" presetSubtype="0" fill="hold" grpId="0" nodeType="afterEffect">
                                   <p:stCondLst>
                                     <p:cond delay="0"/>
                                   </p:stCondLst>
                                   <p:childTnLst>
                                     <p:set>
                                       <p:cBhvr>
-                                        <p:cTn id="13" dur="1" fill="hold">
+                                        <p:cTn id="12" dur="1" fill="hold">
                                           <p:stCondLst>
                                             <p:cond delay="0"/>
                                           </p:stCondLst>
@@ -18240,6 +18231,14 @@
                                         <p:strVal val="visible"/>
                                       </p:to>
                                     </p:set>
+                                    <p:animEffect transition="in" filter="fade">
+                                      <p:cBhvr>
+                                        <p:cTn id="13" dur="500"/>
+                                        <p:tgtEl>
+                                          <p:spTgt spid="8"/>
+                                        </p:tgtEl>
+                                      </p:cBhvr>
+                                    </p:animEffect>
                                   </p:childTnLst>
                                 </p:cTn>
                               </p:par>

--- a/slide.pptx
+++ b/slide.pptx
@@ -574,6 +574,90 @@
     <p:extLst>
       <p:ext uri="{BB962C8B-B14F-4D97-AF65-F5344CB8AC3E}">
         <p14:creationId xmlns:p14="http://schemas.microsoft.com/office/powerpoint/2010/main" val="1256236741"/>
+      </p:ext>
+    </p:extLst>
+  </p:cSld>
+  <p:clrMapOvr>
+    <a:masterClrMapping/>
+  </p:clrMapOvr>
+</p:notes>
+</file>
+
+<file path=ppt/notesSlides/notesSlide2.xml><?xml version="1.0" encoding="utf-8"?>
+<p:notes xmlns:a="http://schemas.openxmlformats.org/drawingml/2006/main" xmlns:r="http://schemas.openxmlformats.org/officeDocument/2006/relationships" xmlns:p="http://schemas.openxmlformats.org/presentationml/2006/main">
+  <p:cSld>
+    <p:spTree>
+      <p:nvGrpSpPr>
+        <p:cNvPr id="1" name=""/>
+        <p:cNvGrpSpPr/>
+        <p:nvPr/>
+      </p:nvGrpSpPr>
+      <p:grpSpPr>
+        <a:xfrm>
+          <a:off x="0" y="0"/>
+          <a:ext cx="0" cy="0"/>
+          <a:chOff x="0" y="0"/>
+          <a:chExt cx="0" cy="0"/>
+        </a:xfrm>
+      </p:grpSpPr>
+      <p:sp>
+        <p:nvSpPr>
+          <p:cNvPr id="2" name="Slide Image Placeholder 1"/>
+          <p:cNvSpPr>
+            <a:spLocks noGrp="1" noRot="1" noChangeAspect="1"/>
+          </p:cNvSpPr>
+          <p:nvPr>
+            <p:ph type="sldImg"/>
+          </p:nvPr>
+        </p:nvSpPr>
+        <p:spPr/>
+      </p:sp>
+      <p:sp>
+        <p:nvSpPr>
+          <p:cNvPr id="3" name="Notes Placeholder 2"/>
+          <p:cNvSpPr>
+            <a:spLocks noGrp="1"/>
+          </p:cNvSpPr>
+          <p:nvPr>
+            <p:ph type="body" idx="1"/>
+          </p:nvPr>
+        </p:nvSpPr>
+        <p:spPr/>
+        <p:txBody>
+          <a:bodyPr/>
+          <a:lstStyle/>
+          <a:p>
+            <a:endParaRPr lang="vi-VN"/>
+          </a:p>
+        </p:txBody>
+      </p:sp>
+      <p:sp>
+        <p:nvSpPr>
+          <p:cNvPr id="4" name="Slide Number Placeholder 3"/>
+          <p:cNvSpPr>
+            <a:spLocks noGrp="1"/>
+          </p:cNvSpPr>
+          <p:nvPr>
+            <p:ph type="sldNum" sz="quarter" idx="5"/>
+          </p:nvPr>
+        </p:nvSpPr>
+        <p:spPr/>
+        <p:txBody>
+          <a:bodyPr/>
+          <a:lstStyle/>
+          <a:p>
+            <a:fld id="{DF779D7B-E594-4D86-A5E4-613FD71702B3}" type="slidenum">
+              <a:rPr lang="vi-VN" smtClean="0"/>
+              <a:t>33</a:t>
+            </a:fld>
+            <a:endParaRPr lang="vi-VN"/>
+          </a:p>
+        </p:txBody>
+      </p:sp>
+    </p:spTree>
+    <p:extLst>
+      <p:ext uri="{BB962C8B-B14F-4D97-AF65-F5344CB8AC3E}">
+        <p14:creationId xmlns:p14="http://schemas.microsoft.com/office/powerpoint/2010/main" val="927257432"/>
       </p:ext>
     </p:extLst>
   </p:cSld>
@@ -18128,6 +18212,9 @@
                     <p:cTn id="3" fill="hold">
                       <p:stCondLst>
                         <p:cond delay="indefinite"/>
+                        <p:cond evt="onBegin" delay="0">
+                          <p:tn val="2"/>
+                        </p:cond>
                       </p:stCondLst>
                       <p:childTnLst>
                         <p:par>
@@ -18137,7 +18224,7 @@
                             </p:stCondLst>
                             <p:childTnLst>
                               <p:par>
-                                <p:cTn id="5" presetID="1" presetClass="entr" presetSubtype="0" fill="hold" grpId="0" nodeType="clickEffect">
+                                <p:cTn id="5" presetID="1" presetClass="entr" presetSubtype="0" fill="hold" grpId="0" nodeType="withEffect">
                                   <p:stCondLst>
                                     <p:cond delay="0"/>
                                   </p:stCondLst>
